--- a/session_five/session_five_presentation.pptx
+++ b/session_five/session_five_presentation.pptx
@@ -176,8 +176,8 @@
 <p1510:revInfo xmlns:a="http://schemas.openxmlformats.org/drawingml/2006/main" xmlns:r="http://schemas.openxmlformats.org/officeDocument/2006/relationships" xmlns:p1510="http://schemas.microsoft.com/office/powerpoint/2015/10/main">
   <p1510:revLst>
     <p1510:client id="{2BB45DB9-A5C7-42D9-8D86-58E9C0F106AD}" v="4" dt="2020-03-26T12:03:13.542"/>
+    <p1510:client id="{9769029B-DAE8-4543-A14E-8C5695AE6F3B}" v="252" dt="2020-03-26T09:57:15.391"/>
     <p1510:client id="{FEAF9D15-8916-46E4-AA42-74602A5A02FF}" v="129" dt="2020-03-26T11:53:18.451"/>
-    <p1510:client id="{9769029B-DAE8-4543-A14E-8C5695AE6F3B}" v="252" dt="2020-03-26T09:57:15.391"/>
   </p1510:revLst>
 </p1510:revInfo>
 </file>
@@ -26695,7 +26695,7 @@
 </file>
 
 <file path=ppt/slides/slide1.xml><?xml version="1.0" encoding="utf-8"?>
-<p:sld xmlns:a="http://schemas.openxmlformats.org/drawingml/2006/main" xmlns:r="http://schemas.openxmlformats.org/officeDocument/2006/relationships" xmlns:p="http://schemas.openxmlformats.org/presentationml/2006/main" showMasterSp="0">
+<p:sld xmlns:a="http://schemas.openxmlformats.org/drawingml/2006/main" xmlns:r="http://schemas.openxmlformats.org/officeDocument/2006/relationships" xmlns:p="http://schemas.openxmlformats.org/presentationml/2006/main">
   <p:cSld>
     <p:spTree>
       <p:nvGrpSpPr>
@@ -35295,11 +35295,7 @@
 
 <file path=customXml/item1.xml><?xml version="1.0" encoding="utf-8"?>
 <?mso-contentType ?>
-<FormTemplates xmlns="http://schemas.microsoft.com/sharepoint/v3/contenttype/forms">
-  <Display>DocumentLibraryForm</Display>
-  <Edit>DocumentLibraryForm</Edit>
-  <New>DocumentLibraryForm</New>
-</FormTemplates>
+<SharedContentType xmlns="Microsoft.SharePoint.Taxonomy.ContentTypeSync" SourceId="1ee89e71-04cd-405e-9ca3-99e020c1694d" ContentTypeId="0x0101" PreviousValue="false"/>
 </file>
 
 <file path=customXml/item2.xml><?xml version="1.0" encoding="utf-8"?>
@@ -35313,7 +35309,11 @@
 
 <file path=customXml/item3.xml><?xml version="1.0" encoding="utf-8"?>
 <?mso-contentType ?>
-<SharedContentType xmlns="Microsoft.SharePoint.Taxonomy.ContentTypeSync" SourceId="1ee89e71-04cd-405e-9ca3-99e020c1694d" ContentTypeId="0x0101" PreviousValue="false"/>
+<FormTemplates xmlns="http://schemas.microsoft.com/sharepoint/v3/contenttype/forms">
+  <Display>DocumentLibraryForm</Display>
+  <Edit>DocumentLibraryForm</Edit>
+  <New>DocumentLibraryForm</New>
+</FormTemplates>
 </file>
 
 <file path=customXml/item4.xml><?xml version="1.0" encoding="utf-8"?>
@@ -35496,9 +35496,9 @@
 </file>
 
 <file path=customXml/itemProps1.xml><?xml version="1.0" encoding="utf-8"?>
-<ds:datastoreItem xmlns:ds="http://schemas.openxmlformats.org/officeDocument/2006/customXml" ds:itemID="{BEBDFA33-3959-412D-BF65-F572B77FF4EC}">
+<ds:datastoreItem xmlns:ds="http://schemas.openxmlformats.org/officeDocument/2006/customXml" ds:itemID="{91989A13-6EBC-4BFF-A25C-E4D3CAAA08AF}">
   <ds:schemaRefs>
-    <ds:schemaRef ds:uri="http://schemas.microsoft.com/sharepoint/v3/contenttype/forms"/>
+    <ds:schemaRef ds:uri="Microsoft.SharePoint.Taxonomy.ContentTypeSync"/>
   </ds:schemaRefs>
 </ds:datastoreItem>
 </file>
@@ -35521,9 +35521,9 @@
 </file>
 
 <file path=customXml/itemProps3.xml><?xml version="1.0" encoding="utf-8"?>
-<ds:datastoreItem xmlns:ds="http://schemas.openxmlformats.org/officeDocument/2006/customXml" ds:itemID="{91989A13-6EBC-4BFF-A25C-E4D3CAAA08AF}">
+<ds:datastoreItem xmlns:ds="http://schemas.openxmlformats.org/officeDocument/2006/customXml" ds:itemID="{BEBDFA33-3959-412D-BF65-F572B77FF4EC}">
   <ds:schemaRefs>
-    <ds:schemaRef ds:uri="Microsoft.SharePoint.Taxonomy.ContentTypeSync"/>
+    <ds:schemaRef ds:uri="http://schemas.microsoft.com/sharepoint/v3/contenttype/forms"/>
   </ds:schemaRefs>
 </ds:datastoreItem>
 </file>

--- a/session_five/session_five_presentation.pptx
+++ b/session_five/session_five_presentation.pptx
@@ -29813,7 +29813,7 @@
                 <a:latin typeface="Arial"/>
                 <a:cs typeface="Arial"/>
               </a:rPr>
-              <a:t>Early-stopping Puzzles</a:t>
+              <a:t>Enumeration Puzzles</a:t>
             </a:r>
             <a:endParaRPr lang="en-GB" dirty="0"/>
           </a:p>
@@ -30181,7 +30181,7 @@
                 <a:latin typeface="Arial"/>
                 <a:cs typeface="Arial"/>
               </a:rPr>
-              <a:t>Early-stopping Puzzles Solutions</a:t>
+              <a:t>Enumeration Puzzles Solutions</a:t>
             </a:r>
             <a:endParaRPr lang="en-GB" dirty="0"/>
           </a:p>

--- a/session_five/session_five_presentation.pptx
+++ b/session_five/session_five_presentation.pptx
@@ -850,9 +850,6 @@
     </pc:docChg>
   </pc:docChgLst>
   <pc:docChgLst>
-    <pc:chgData name="Bradley, Sam" userId="f75c196c-0419-4ed7-9101-2e14ae32ff77" providerId="ADAL" clId="{3FF446AA-2460-4900-8B64-80B2BFB30CB0}"/>
-  </pc:docChgLst>
-  <pc:docChgLst>
     <pc:chgData name="McKinney, David" userId="S::kqkh779@astrazeneca.net::8b945cb3-78ce-42d7-adc5-b07bab32cd5b" providerId="AD" clId="Web-{2BB45DB9-A5C7-42D9-8D86-58E9C0F106AD}"/>
     <pc:docChg chg="modSld">
       <pc:chgData name="McKinney, David" userId="S::kqkh779@astrazeneca.net::8b945cb3-78ce-42d7-adc5-b07bab32cd5b" providerId="AD" clId="Web-{2BB45DB9-A5C7-42D9-8D86-58E9C0F106AD}" dt="2020-03-26T12:03:13.542" v="3" actId="20577"/>
@@ -962,7 +959,7 @@
             <a:fld id="{3BBED7E8-0829-F34C-B479-A757805E6C1B}" type="datetimeFigureOut">
               <a:rPr lang="en-US" smtClean="0"/>
               <a:pPr/>
-              <a:t>5/16/2020</a:t>
+              <a:t>7/13/2020</a:t>
             </a:fld>
             <a:endParaRPr lang="en-US"/>
           </a:p>
@@ -1130,7 +1127,7 @@
             <a:fld id="{6C7E4F11-7667-5045-A00B-01970EA44BB5}" type="datetimeFigureOut">
               <a:rPr lang="en-US" smtClean="0"/>
               <a:pPr/>
-              <a:t>5/16/2020</a:t>
+              <a:t>7/13/2020</a:t>
             </a:fld>
             <a:endParaRPr lang="en-US"/>
           </a:p>
@@ -26695,7 +26692,7 @@
 </file>
 
 <file path=ppt/slides/slide1.xml><?xml version="1.0" encoding="utf-8"?>
-<p:sld xmlns:a="http://schemas.openxmlformats.org/drawingml/2006/main" xmlns:r="http://schemas.openxmlformats.org/officeDocument/2006/relationships" xmlns:p="http://schemas.openxmlformats.org/presentationml/2006/main">
+<p:sld xmlns:a="http://schemas.openxmlformats.org/drawingml/2006/main" xmlns:r="http://schemas.openxmlformats.org/officeDocument/2006/relationships" xmlns:p="http://schemas.openxmlformats.org/presentationml/2006/main" showMasterSp="0">
   <p:cSld>
     <p:spTree>
       <p:nvGrpSpPr>
@@ -26906,8 +26903,12 @@
           </a:lstStyle>
           <a:p>
             <a:r>
+              <a:rPr lang="en-GB" dirty="0"/>
+              <a:t>Warwick Data </a:t>
+            </a:r>
+            <a:r>
               <a:rPr lang="en-GB"/>
-              <a:t>The AZ Code Club Team</a:t>
+              <a:t>Science Society</a:t>
             </a:r>
             <a:endParaRPr lang="en-GB" dirty="0"/>
           </a:p>
@@ -27201,6 +27202,51 @@
           </a:p>
         </p:txBody>
       </p:sp>
+      <p:pic>
+        <p:nvPicPr>
+          <p:cNvPr id="10" name="Picture 2" descr="photo of outer space">
+            <a:extLst>
+              <a:ext uri="{FF2B5EF4-FFF2-40B4-BE49-F238E27FC236}">
+                <a16:creationId xmlns:a16="http://schemas.microsoft.com/office/drawing/2014/main" id="{FAC4422D-BB88-481E-842F-9722D8E489FA}"/>
+              </a:ext>
+            </a:extLst>
+          </p:cNvPr>
+          <p:cNvPicPr>
+            <a:picLocks noChangeAspect="1" noChangeArrowheads="1"/>
+          </p:cNvPicPr>
+          <p:nvPr/>
+        </p:nvPicPr>
+        <p:blipFill rotWithShape="1">
+          <a:blip r:embed="rId6">
+            <a:extLst>
+              <a:ext uri="{28A0092B-C50C-407E-A947-70E740481C1C}">
+                <a14:useLocalDpi xmlns:a14="http://schemas.microsoft.com/office/drawing/2010/main" val="0"/>
+              </a:ext>
+            </a:extLst>
+          </a:blip>
+          <a:srcRect t="23528" b="41523"/>
+          <a:stretch/>
+        </p:blipFill>
+        <p:spPr bwMode="auto">
+          <a:xfrm>
+            <a:off x="238757" y="2941219"/>
+            <a:ext cx="8689242" cy="2019600"/>
+          </a:xfrm>
+          <a:prstGeom prst="rect">
+            <a:avLst/>
+          </a:prstGeom>
+          <a:noFill/>
+          <a:extLst>
+            <a:ext uri="{909E8E84-426E-40DD-AFC4-6F175D3DCCD1}">
+              <a14:hiddenFill xmlns:a14="http://schemas.microsoft.com/office/drawing/2010/main">
+                <a:solidFill>
+                  <a:srgbClr val="FFFFFF"/>
+                </a:solidFill>
+              </a14:hiddenFill>
+            </a:ext>
+          </a:extLst>
+        </p:spPr>
+      </p:pic>
     </p:spTree>
     <p:extLst>
       <p:ext uri="{BB962C8B-B14F-4D97-AF65-F5344CB8AC3E}">
@@ -27254,12 +27300,19 @@
           <a:p>
             <a:r>
               <a:rPr lang="en-GB" dirty="0">
+                <a:solidFill>
+                  <a:schemeClr val="tx2"/>
+                </a:solidFill>
                 <a:latin typeface="Arial"/>
                 <a:cs typeface="Arial"/>
               </a:rPr>
               <a:t>Looping Through a List</a:t>
             </a:r>
-            <a:endParaRPr lang="en-GB" dirty="0"/>
+            <a:endParaRPr lang="en-GB" dirty="0">
+              <a:solidFill>
+                <a:schemeClr val="tx2"/>
+              </a:solidFill>
+            </a:endParaRPr>
           </a:p>
         </p:txBody>
       </p:sp>
@@ -27293,35 +27346,6 @@
           </a:p>
         </p:txBody>
       </p:sp>
-      <p:pic>
-        <p:nvPicPr>
-          <p:cNvPr id="11" name="Picture 10">
-            <a:extLst>
-              <a:ext uri="{FF2B5EF4-FFF2-40B4-BE49-F238E27FC236}">
-                <a16:creationId xmlns:a16="http://schemas.microsoft.com/office/drawing/2014/main" id="{AE10D547-F5D1-43D9-93EA-E166E3C73F57}"/>
-              </a:ext>
-            </a:extLst>
-          </p:cNvPr>
-          <p:cNvPicPr>
-            <a:picLocks noChangeAspect="1"/>
-          </p:cNvPicPr>
-          <p:nvPr/>
-        </p:nvPicPr>
-        <p:blipFill rotWithShape="1">
-          <a:blip r:embed="rId2"/>
-          <a:srcRect l="2982" t="3174" r="2869" b="2900"/>
-          <a:stretch/>
-        </p:blipFill>
-        <p:spPr>
-          <a:xfrm>
-            <a:off x="8576572" y="4598283"/>
-            <a:ext cx="498106" cy="496941"/>
-          </a:xfrm>
-          <a:prstGeom prst="ellipse">
-            <a:avLst/>
-          </a:prstGeom>
-        </p:spPr>
-      </p:pic>
       <p:sp>
         <p:nvSpPr>
           <p:cNvPr id="6" name="Text Placeholder 2">
@@ -27533,7 +27557,7 @@
           <p:nvPr/>
         </p:nvPicPr>
         <p:blipFill>
-          <a:blip r:embed="rId3"/>
+          <a:blip r:embed="rId2"/>
           <a:stretch>
             <a:fillRect/>
           </a:stretch>
@@ -27602,6 +27626,43 @@
           </a:p>
         </p:txBody>
       </p:sp>
+      <p:pic>
+        <p:nvPicPr>
+          <p:cNvPr id="8" name="Picture 7" descr="A picture containing stool&#10;&#10;Description automatically generated">
+            <a:extLst>
+              <a:ext uri="{FF2B5EF4-FFF2-40B4-BE49-F238E27FC236}">
+                <a16:creationId xmlns:a16="http://schemas.microsoft.com/office/drawing/2014/main" id="{D3C525DF-7CCA-4742-B138-D607FAA772BB}"/>
+              </a:ext>
+            </a:extLst>
+          </p:cNvPr>
+          <p:cNvPicPr>
+            <a:picLocks noChangeAspect="1"/>
+          </p:cNvPicPr>
+          <p:nvPr/>
+        </p:nvPicPr>
+        <p:blipFill>
+          <a:blip r:embed="rId3"/>
+          <a:stretch>
+            <a:fillRect/>
+          </a:stretch>
+        </p:blipFill>
+        <p:spPr>
+          <a:xfrm>
+            <a:off x="8515735" y="4536281"/>
+            <a:ext cx="558943" cy="558943"/>
+          </a:xfrm>
+          <a:prstGeom prst="ellipse">
+            <a:avLst/>
+          </a:prstGeom>
+          <a:effectLst>
+            <a:outerShdw blurRad="63500" sx="102000" sy="102000" algn="ctr" rotWithShape="0">
+              <a:prstClr val="black">
+                <a:alpha val="40000"/>
+              </a:prstClr>
+            </a:outerShdw>
+          </a:effectLst>
+        </p:spPr>
+      </p:pic>
     </p:spTree>
     <p:extLst>
       <p:ext uri="{BB962C8B-B14F-4D97-AF65-F5344CB8AC3E}">
@@ -27655,12 +27716,19 @@
           <a:p>
             <a:r>
               <a:rPr lang="en-GB" dirty="0">
+                <a:solidFill>
+                  <a:schemeClr val="tx2"/>
+                </a:solidFill>
                 <a:latin typeface="Arial"/>
                 <a:cs typeface="Arial"/>
               </a:rPr>
               <a:t>Looping Through a List Puzzles</a:t>
             </a:r>
-            <a:endParaRPr lang="en-GB" dirty="0"/>
+            <a:endParaRPr lang="en-GB" dirty="0">
+              <a:solidFill>
+                <a:schemeClr val="tx2"/>
+              </a:solidFill>
+            </a:endParaRPr>
           </a:p>
         </p:txBody>
       </p:sp>
@@ -27694,35 +27762,6 @@
           </a:p>
         </p:txBody>
       </p:sp>
-      <p:pic>
-        <p:nvPicPr>
-          <p:cNvPr id="11" name="Picture 10">
-            <a:extLst>
-              <a:ext uri="{FF2B5EF4-FFF2-40B4-BE49-F238E27FC236}">
-                <a16:creationId xmlns:a16="http://schemas.microsoft.com/office/drawing/2014/main" id="{AE10D547-F5D1-43D9-93EA-E166E3C73F57}"/>
-              </a:ext>
-            </a:extLst>
-          </p:cNvPr>
-          <p:cNvPicPr>
-            <a:picLocks noChangeAspect="1"/>
-          </p:cNvPicPr>
-          <p:nvPr/>
-        </p:nvPicPr>
-        <p:blipFill rotWithShape="1">
-          <a:blip r:embed="rId2"/>
-          <a:srcRect l="2982" t="3174" r="2869" b="2900"/>
-          <a:stretch/>
-        </p:blipFill>
-        <p:spPr>
-          <a:xfrm>
-            <a:off x="8576572" y="4598283"/>
-            <a:ext cx="498106" cy="496941"/>
-          </a:xfrm>
-          <a:prstGeom prst="ellipse">
-            <a:avLst/>
-          </a:prstGeom>
-        </p:spPr>
-      </p:pic>
       <p:sp>
         <p:nvSpPr>
           <p:cNvPr id="6" name="Text Placeholder 2">
@@ -27988,6 +28027,36 @@
           <p:nvPr/>
         </p:nvPicPr>
         <p:blipFill>
+          <a:blip r:embed="rId2"/>
+          <a:stretch>
+            <a:fillRect/>
+          </a:stretch>
+        </p:blipFill>
+        <p:spPr>
+          <a:xfrm>
+            <a:off x="2736986" y="1754430"/>
+            <a:ext cx="3670028" cy="1634639"/>
+          </a:xfrm>
+          <a:prstGeom prst="rect">
+            <a:avLst/>
+          </a:prstGeom>
+        </p:spPr>
+      </p:pic>
+      <p:pic>
+        <p:nvPicPr>
+          <p:cNvPr id="7" name="Picture 6" descr="A picture containing stool&#10;&#10;Description automatically generated">
+            <a:extLst>
+              <a:ext uri="{FF2B5EF4-FFF2-40B4-BE49-F238E27FC236}">
+                <a16:creationId xmlns:a16="http://schemas.microsoft.com/office/drawing/2014/main" id="{85C5B0B1-0018-434D-94FF-C63F99FB01FE}"/>
+              </a:ext>
+            </a:extLst>
+          </p:cNvPr>
+          <p:cNvPicPr>
+            <a:picLocks noChangeAspect="1"/>
+          </p:cNvPicPr>
+          <p:nvPr/>
+        </p:nvPicPr>
+        <p:blipFill>
           <a:blip r:embed="rId3"/>
           <a:stretch>
             <a:fillRect/>
@@ -27995,12 +28064,19 @@
         </p:blipFill>
         <p:spPr>
           <a:xfrm>
-            <a:off x="2736986" y="1754430"/>
-            <a:ext cx="3670028" cy="1634639"/>
-          </a:xfrm>
-          <a:prstGeom prst="rect">
-            <a:avLst/>
-          </a:prstGeom>
+            <a:off x="8515735" y="4536281"/>
+            <a:ext cx="558943" cy="558943"/>
+          </a:xfrm>
+          <a:prstGeom prst="ellipse">
+            <a:avLst/>
+          </a:prstGeom>
+          <a:effectLst>
+            <a:outerShdw blurRad="63500" sx="102000" sy="102000" algn="ctr" rotWithShape="0">
+              <a:prstClr val="black">
+                <a:alpha val="40000"/>
+              </a:prstClr>
+            </a:outerShdw>
+          </a:effectLst>
         </p:spPr>
       </p:pic>
     </p:spTree>
@@ -28056,12 +28132,19 @@
           <a:p>
             <a:r>
               <a:rPr lang="en-GB" dirty="0">
+                <a:solidFill>
+                  <a:schemeClr val="tx2"/>
+                </a:solidFill>
                 <a:latin typeface="Arial"/>
                 <a:cs typeface="Arial"/>
               </a:rPr>
               <a:t>Looping Through a List Puzzles Solutions</a:t>
             </a:r>
-            <a:endParaRPr lang="en-GB" dirty="0"/>
+            <a:endParaRPr lang="en-GB" dirty="0">
+              <a:solidFill>
+                <a:schemeClr val="tx2"/>
+              </a:solidFill>
+            </a:endParaRPr>
           </a:p>
         </p:txBody>
       </p:sp>
@@ -28095,35 +28178,6 @@
           </a:p>
         </p:txBody>
       </p:sp>
-      <p:pic>
-        <p:nvPicPr>
-          <p:cNvPr id="11" name="Picture 10">
-            <a:extLst>
-              <a:ext uri="{FF2B5EF4-FFF2-40B4-BE49-F238E27FC236}">
-                <a16:creationId xmlns:a16="http://schemas.microsoft.com/office/drawing/2014/main" id="{AE10D547-F5D1-43D9-93EA-E166E3C73F57}"/>
-              </a:ext>
-            </a:extLst>
-          </p:cNvPr>
-          <p:cNvPicPr>
-            <a:picLocks noChangeAspect="1"/>
-          </p:cNvPicPr>
-          <p:nvPr/>
-        </p:nvPicPr>
-        <p:blipFill rotWithShape="1">
-          <a:blip r:embed="rId2"/>
-          <a:srcRect l="2982" t="3174" r="2869" b="2900"/>
-          <a:stretch/>
-        </p:blipFill>
-        <p:spPr>
-          <a:xfrm>
-            <a:off x="8576572" y="4598283"/>
-            <a:ext cx="498106" cy="496941"/>
-          </a:xfrm>
-          <a:prstGeom prst="ellipse">
-            <a:avLst/>
-          </a:prstGeom>
-        </p:spPr>
-      </p:pic>
       <p:pic>
         <p:nvPicPr>
           <p:cNvPr id="5" name="Picture 4">
@@ -28139,7 +28193,7 @@
           <p:nvPr/>
         </p:nvPicPr>
         <p:blipFill>
-          <a:blip r:embed="rId3"/>
+          <a:blip r:embed="rId2"/>
           <a:stretch>
             <a:fillRect/>
           </a:stretch>
@@ -28169,6 +28223,36 @@
           <p:nvPr/>
         </p:nvPicPr>
         <p:blipFill>
+          <a:blip r:embed="rId3"/>
+          <a:stretch>
+            <a:fillRect/>
+          </a:stretch>
+        </p:blipFill>
+        <p:spPr>
+          <a:xfrm>
+            <a:off x="4162705" y="2571750"/>
+            <a:ext cx="4266920" cy="1847107"/>
+          </a:xfrm>
+          <a:prstGeom prst="rect">
+            <a:avLst/>
+          </a:prstGeom>
+        </p:spPr>
+      </p:pic>
+      <p:pic>
+        <p:nvPicPr>
+          <p:cNvPr id="8" name="Picture 7" descr="A picture containing stool&#10;&#10;Description automatically generated">
+            <a:extLst>
+              <a:ext uri="{FF2B5EF4-FFF2-40B4-BE49-F238E27FC236}">
+                <a16:creationId xmlns:a16="http://schemas.microsoft.com/office/drawing/2014/main" id="{0B20552E-6534-4B50-8AAD-C6719C070E3E}"/>
+              </a:ext>
+            </a:extLst>
+          </p:cNvPr>
+          <p:cNvPicPr>
+            <a:picLocks noChangeAspect="1"/>
+          </p:cNvPicPr>
+          <p:nvPr/>
+        </p:nvPicPr>
+        <p:blipFill>
           <a:blip r:embed="rId4"/>
           <a:stretch>
             <a:fillRect/>
@@ -28176,12 +28260,19 @@
         </p:blipFill>
         <p:spPr>
           <a:xfrm>
-            <a:off x="4162705" y="2571750"/>
-            <a:ext cx="4266920" cy="1847107"/>
-          </a:xfrm>
-          <a:prstGeom prst="rect">
-            <a:avLst/>
-          </a:prstGeom>
+            <a:off x="8515735" y="4536281"/>
+            <a:ext cx="558943" cy="558943"/>
+          </a:xfrm>
+          <a:prstGeom prst="ellipse">
+            <a:avLst/>
+          </a:prstGeom>
+          <a:effectLst>
+            <a:outerShdw blurRad="63500" sx="102000" sy="102000" algn="ctr" rotWithShape="0">
+              <a:prstClr val="black">
+                <a:alpha val="40000"/>
+              </a:prstClr>
+            </a:outerShdw>
+          </a:effectLst>
         </p:spPr>
       </p:pic>
     </p:spTree>
@@ -28237,12 +28328,19 @@
           <a:p>
             <a:r>
               <a:rPr lang="en-GB" dirty="0">
+                <a:solidFill>
+                  <a:schemeClr val="tx2"/>
+                </a:solidFill>
                 <a:latin typeface="Arial"/>
                 <a:cs typeface="Arial"/>
               </a:rPr>
               <a:t>Early-stopping</a:t>
             </a:r>
-            <a:endParaRPr lang="en-GB" dirty="0"/>
+            <a:endParaRPr lang="en-GB" dirty="0">
+              <a:solidFill>
+                <a:schemeClr val="tx2"/>
+              </a:solidFill>
+            </a:endParaRPr>
           </a:p>
         </p:txBody>
       </p:sp>
@@ -28276,35 +28374,6 @@
           </a:p>
         </p:txBody>
       </p:sp>
-      <p:pic>
-        <p:nvPicPr>
-          <p:cNvPr id="11" name="Picture 10">
-            <a:extLst>
-              <a:ext uri="{FF2B5EF4-FFF2-40B4-BE49-F238E27FC236}">
-                <a16:creationId xmlns:a16="http://schemas.microsoft.com/office/drawing/2014/main" id="{AE10D547-F5D1-43D9-93EA-E166E3C73F57}"/>
-              </a:ext>
-            </a:extLst>
-          </p:cNvPr>
-          <p:cNvPicPr>
-            <a:picLocks noChangeAspect="1"/>
-          </p:cNvPicPr>
-          <p:nvPr/>
-        </p:nvPicPr>
-        <p:blipFill rotWithShape="1">
-          <a:blip r:embed="rId2"/>
-          <a:srcRect l="2982" t="3174" r="2869" b="2900"/>
-          <a:stretch/>
-        </p:blipFill>
-        <p:spPr>
-          <a:xfrm>
-            <a:off x="8576572" y="4598283"/>
-            <a:ext cx="498106" cy="496941"/>
-          </a:xfrm>
-          <a:prstGeom prst="ellipse">
-            <a:avLst/>
-          </a:prstGeom>
-        </p:spPr>
-      </p:pic>
       <p:sp>
         <p:nvSpPr>
           <p:cNvPr id="6" name="Text Placeholder 2">
@@ -28510,6 +28579,36 @@
           <p:nvPr/>
         </p:nvPicPr>
         <p:blipFill>
+          <a:blip r:embed="rId2"/>
+          <a:stretch>
+            <a:fillRect/>
+          </a:stretch>
+        </p:blipFill>
+        <p:spPr>
+          <a:xfrm>
+            <a:off x="2273888" y="2095273"/>
+            <a:ext cx="4546283" cy="2503010"/>
+          </a:xfrm>
+          <a:prstGeom prst="rect">
+            <a:avLst/>
+          </a:prstGeom>
+        </p:spPr>
+      </p:pic>
+      <p:pic>
+        <p:nvPicPr>
+          <p:cNvPr id="8" name="Picture 7" descr="A picture containing stool&#10;&#10;Description automatically generated">
+            <a:extLst>
+              <a:ext uri="{FF2B5EF4-FFF2-40B4-BE49-F238E27FC236}">
+                <a16:creationId xmlns:a16="http://schemas.microsoft.com/office/drawing/2014/main" id="{19E0AA83-70B3-4165-BBA5-6762AD63171E}"/>
+              </a:ext>
+            </a:extLst>
+          </p:cNvPr>
+          <p:cNvPicPr>
+            <a:picLocks noChangeAspect="1"/>
+          </p:cNvPicPr>
+          <p:nvPr/>
+        </p:nvPicPr>
+        <p:blipFill>
           <a:blip r:embed="rId3"/>
           <a:stretch>
             <a:fillRect/>
@@ -28517,12 +28616,19 @@
         </p:blipFill>
         <p:spPr>
           <a:xfrm>
-            <a:off x="2273888" y="2095273"/>
-            <a:ext cx="4546283" cy="2503010"/>
-          </a:xfrm>
-          <a:prstGeom prst="rect">
-            <a:avLst/>
-          </a:prstGeom>
+            <a:off x="8515735" y="4536281"/>
+            <a:ext cx="558943" cy="558943"/>
+          </a:xfrm>
+          <a:prstGeom prst="ellipse">
+            <a:avLst/>
+          </a:prstGeom>
+          <a:effectLst>
+            <a:outerShdw blurRad="63500" sx="102000" sy="102000" algn="ctr" rotWithShape="0">
+              <a:prstClr val="black">
+                <a:alpha val="40000"/>
+              </a:prstClr>
+            </a:outerShdw>
+          </a:effectLst>
         </p:spPr>
       </p:pic>
     </p:spTree>
@@ -28578,12 +28684,19 @@
           <a:p>
             <a:r>
               <a:rPr lang="en-GB" dirty="0">
+                <a:solidFill>
+                  <a:schemeClr val="tx2"/>
+                </a:solidFill>
                 <a:latin typeface="Arial"/>
                 <a:cs typeface="Arial"/>
               </a:rPr>
               <a:t>Early-stopping</a:t>
             </a:r>
-            <a:endParaRPr lang="en-GB" dirty="0"/>
+            <a:endParaRPr lang="en-GB" dirty="0">
+              <a:solidFill>
+                <a:schemeClr val="tx2"/>
+              </a:solidFill>
+            </a:endParaRPr>
           </a:p>
         </p:txBody>
       </p:sp>
@@ -28617,35 +28730,6 @@
           </a:p>
         </p:txBody>
       </p:sp>
-      <p:pic>
-        <p:nvPicPr>
-          <p:cNvPr id="11" name="Picture 10">
-            <a:extLst>
-              <a:ext uri="{FF2B5EF4-FFF2-40B4-BE49-F238E27FC236}">
-                <a16:creationId xmlns:a16="http://schemas.microsoft.com/office/drawing/2014/main" id="{AE10D547-F5D1-43D9-93EA-E166E3C73F57}"/>
-              </a:ext>
-            </a:extLst>
-          </p:cNvPr>
-          <p:cNvPicPr>
-            <a:picLocks noChangeAspect="1"/>
-          </p:cNvPicPr>
-          <p:nvPr/>
-        </p:nvPicPr>
-        <p:blipFill rotWithShape="1">
-          <a:blip r:embed="rId2"/>
-          <a:srcRect l="2982" t="3174" r="2869" b="2900"/>
-          <a:stretch/>
-        </p:blipFill>
-        <p:spPr>
-          <a:xfrm>
-            <a:off x="8576572" y="4598283"/>
-            <a:ext cx="498106" cy="496941"/>
-          </a:xfrm>
-          <a:prstGeom prst="ellipse">
-            <a:avLst/>
-          </a:prstGeom>
-        </p:spPr>
-      </p:pic>
       <p:sp>
         <p:nvSpPr>
           <p:cNvPr id="6" name="Text Placeholder 2">
@@ -28851,6 +28935,36 @@
           <p:nvPr/>
         </p:nvPicPr>
         <p:blipFill>
+          <a:blip r:embed="rId2"/>
+          <a:stretch>
+            <a:fillRect/>
+          </a:stretch>
+        </p:blipFill>
+        <p:spPr>
+          <a:xfrm>
+            <a:off x="2307689" y="1828800"/>
+            <a:ext cx="4478681" cy="2895028"/>
+          </a:xfrm>
+          <a:prstGeom prst="rect">
+            <a:avLst/>
+          </a:prstGeom>
+        </p:spPr>
+      </p:pic>
+      <p:pic>
+        <p:nvPicPr>
+          <p:cNvPr id="7" name="Picture 6" descr="A picture containing stool&#10;&#10;Description automatically generated">
+            <a:extLst>
+              <a:ext uri="{FF2B5EF4-FFF2-40B4-BE49-F238E27FC236}">
+                <a16:creationId xmlns:a16="http://schemas.microsoft.com/office/drawing/2014/main" id="{91213C90-1287-417E-826D-722911E718C6}"/>
+              </a:ext>
+            </a:extLst>
+          </p:cNvPr>
+          <p:cNvPicPr>
+            <a:picLocks noChangeAspect="1"/>
+          </p:cNvPicPr>
+          <p:nvPr/>
+        </p:nvPicPr>
+        <p:blipFill>
           <a:blip r:embed="rId3"/>
           <a:stretch>
             <a:fillRect/>
@@ -28858,12 +28972,19 @@
         </p:blipFill>
         <p:spPr>
           <a:xfrm>
-            <a:off x="2307689" y="1828800"/>
-            <a:ext cx="4478681" cy="2895028"/>
-          </a:xfrm>
-          <a:prstGeom prst="rect">
-            <a:avLst/>
-          </a:prstGeom>
+            <a:off x="8515735" y="4536281"/>
+            <a:ext cx="558943" cy="558943"/>
+          </a:xfrm>
+          <a:prstGeom prst="ellipse">
+            <a:avLst/>
+          </a:prstGeom>
+          <a:effectLst>
+            <a:outerShdw blurRad="63500" sx="102000" sy="102000" algn="ctr" rotWithShape="0">
+              <a:prstClr val="black">
+                <a:alpha val="40000"/>
+              </a:prstClr>
+            </a:outerShdw>
+          </a:effectLst>
         </p:spPr>
       </p:pic>
     </p:spTree>
@@ -28919,12 +29040,19 @@
           <a:p>
             <a:r>
               <a:rPr lang="en-GB" dirty="0">
+                <a:solidFill>
+                  <a:schemeClr val="tx2"/>
+                </a:solidFill>
                 <a:latin typeface="Arial"/>
                 <a:cs typeface="Arial"/>
               </a:rPr>
               <a:t>Early-stopping Puzzles</a:t>
             </a:r>
-            <a:endParaRPr lang="en-GB" dirty="0"/>
+            <a:endParaRPr lang="en-GB" dirty="0">
+              <a:solidFill>
+                <a:schemeClr val="tx2"/>
+              </a:solidFill>
+            </a:endParaRPr>
           </a:p>
         </p:txBody>
       </p:sp>
@@ -28958,35 +29086,6 @@
           </a:p>
         </p:txBody>
       </p:sp>
-      <p:pic>
-        <p:nvPicPr>
-          <p:cNvPr id="11" name="Picture 10">
-            <a:extLst>
-              <a:ext uri="{FF2B5EF4-FFF2-40B4-BE49-F238E27FC236}">
-                <a16:creationId xmlns:a16="http://schemas.microsoft.com/office/drawing/2014/main" id="{AE10D547-F5D1-43D9-93EA-E166E3C73F57}"/>
-              </a:ext>
-            </a:extLst>
-          </p:cNvPr>
-          <p:cNvPicPr>
-            <a:picLocks noChangeAspect="1"/>
-          </p:cNvPicPr>
-          <p:nvPr/>
-        </p:nvPicPr>
-        <p:blipFill rotWithShape="1">
-          <a:blip r:embed="rId2"/>
-          <a:srcRect l="2982" t="3174" r="2869" b="2900"/>
-          <a:stretch/>
-        </p:blipFill>
-        <p:spPr>
-          <a:xfrm>
-            <a:off x="8576572" y="4598283"/>
-            <a:ext cx="498106" cy="496941"/>
-          </a:xfrm>
-          <a:prstGeom prst="ellipse">
-            <a:avLst/>
-          </a:prstGeom>
-        </p:spPr>
-      </p:pic>
       <p:sp>
         <p:nvSpPr>
           <p:cNvPr id="6" name="Text Placeholder 2">
@@ -29265,6 +29364,43 @@
           </a:p>
         </p:txBody>
       </p:sp>
+      <p:pic>
+        <p:nvPicPr>
+          <p:cNvPr id="7" name="Picture 6" descr="A picture containing stool&#10;&#10;Description automatically generated">
+            <a:extLst>
+              <a:ext uri="{FF2B5EF4-FFF2-40B4-BE49-F238E27FC236}">
+                <a16:creationId xmlns:a16="http://schemas.microsoft.com/office/drawing/2014/main" id="{F3729C45-412E-478D-BD1B-6E0CCC69FBA7}"/>
+              </a:ext>
+            </a:extLst>
+          </p:cNvPr>
+          <p:cNvPicPr>
+            <a:picLocks noChangeAspect="1"/>
+          </p:cNvPicPr>
+          <p:nvPr/>
+        </p:nvPicPr>
+        <p:blipFill>
+          <a:blip r:embed="rId2"/>
+          <a:stretch>
+            <a:fillRect/>
+          </a:stretch>
+        </p:blipFill>
+        <p:spPr>
+          <a:xfrm>
+            <a:off x="8515735" y="4536281"/>
+            <a:ext cx="558943" cy="558943"/>
+          </a:xfrm>
+          <a:prstGeom prst="ellipse">
+            <a:avLst/>
+          </a:prstGeom>
+          <a:effectLst>
+            <a:outerShdw blurRad="63500" sx="102000" sy="102000" algn="ctr" rotWithShape="0">
+              <a:prstClr val="black">
+                <a:alpha val="40000"/>
+              </a:prstClr>
+            </a:outerShdw>
+          </a:effectLst>
+        </p:spPr>
+      </p:pic>
     </p:spTree>
     <p:extLst>
       <p:ext uri="{BB962C8B-B14F-4D97-AF65-F5344CB8AC3E}">
@@ -29318,12 +29454,19 @@
           <a:p>
             <a:r>
               <a:rPr lang="en-GB" dirty="0">
+                <a:solidFill>
+                  <a:schemeClr val="tx2"/>
+                </a:solidFill>
                 <a:latin typeface="Arial"/>
                 <a:cs typeface="Arial"/>
               </a:rPr>
               <a:t>Early-stopping Puzzles Solutions</a:t>
             </a:r>
-            <a:endParaRPr lang="en-GB" dirty="0"/>
+            <a:endParaRPr lang="en-GB" dirty="0">
+              <a:solidFill>
+                <a:schemeClr val="tx2"/>
+              </a:solidFill>
+            </a:endParaRPr>
           </a:p>
         </p:txBody>
       </p:sp>
@@ -29357,35 +29500,6 @@
           </a:p>
         </p:txBody>
       </p:sp>
-      <p:pic>
-        <p:nvPicPr>
-          <p:cNvPr id="11" name="Picture 10">
-            <a:extLst>
-              <a:ext uri="{FF2B5EF4-FFF2-40B4-BE49-F238E27FC236}">
-                <a16:creationId xmlns:a16="http://schemas.microsoft.com/office/drawing/2014/main" id="{AE10D547-F5D1-43D9-93EA-E166E3C73F57}"/>
-              </a:ext>
-            </a:extLst>
-          </p:cNvPr>
-          <p:cNvPicPr>
-            <a:picLocks noChangeAspect="1"/>
-          </p:cNvPicPr>
-          <p:nvPr/>
-        </p:nvPicPr>
-        <p:blipFill rotWithShape="1">
-          <a:blip r:embed="rId2"/>
-          <a:srcRect l="2982" t="3174" r="2869" b="2900"/>
-          <a:stretch/>
-        </p:blipFill>
-        <p:spPr>
-          <a:xfrm>
-            <a:off x="8576572" y="4598283"/>
-            <a:ext cx="498106" cy="496941"/>
-          </a:xfrm>
-          <a:prstGeom prst="ellipse">
-            <a:avLst/>
-          </a:prstGeom>
-        </p:spPr>
-      </p:pic>
       <p:pic>
         <p:nvPicPr>
           <p:cNvPr id="4" name="Picture 3">
@@ -29401,6 +29515,36 @@
           <p:nvPr/>
         </p:nvPicPr>
         <p:blipFill>
+          <a:blip r:embed="rId2"/>
+          <a:stretch>
+            <a:fillRect/>
+          </a:stretch>
+        </p:blipFill>
+        <p:spPr>
+          <a:xfrm>
+            <a:off x="2608135" y="1011128"/>
+            <a:ext cx="3927729" cy="3526195"/>
+          </a:xfrm>
+          <a:prstGeom prst="rect">
+            <a:avLst/>
+          </a:prstGeom>
+        </p:spPr>
+      </p:pic>
+      <p:pic>
+        <p:nvPicPr>
+          <p:cNvPr id="6" name="Picture 5" descr="A picture containing stool&#10;&#10;Description automatically generated">
+            <a:extLst>
+              <a:ext uri="{FF2B5EF4-FFF2-40B4-BE49-F238E27FC236}">
+                <a16:creationId xmlns:a16="http://schemas.microsoft.com/office/drawing/2014/main" id="{D3BB6631-1573-4A67-A330-B74D626CF1D0}"/>
+              </a:ext>
+            </a:extLst>
+          </p:cNvPr>
+          <p:cNvPicPr>
+            <a:picLocks noChangeAspect="1"/>
+          </p:cNvPicPr>
+          <p:nvPr/>
+        </p:nvPicPr>
+        <p:blipFill>
           <a:blip r:embed="rId3"/>
           <a:stretch>
             <a:fillRect/>
@@ -29408,12 +29552,19 @@
         </p:blipFill>
         <p:spPr>
           <a:xfrm>
-            <a:off x="2608135" y="1011128"/>
-            <a:ext cx="3927729" cy="3526195"/>
-          </a:xfrm>
-          <a:prstGeom prst="rect">
-            <a:avLst/>
-          </a:prstGeom>
+            <a:off x="8515735" y="4536281"/>
+            <a:ext cx="558943" cy="558943"/>
+          </a:xfrm>
+          <a:prstGeom prst="ellipse">
+            <a:avLst/>
+          </a:prstGeom>
+          <a:effectLst>
+            <a:outerShdw blurRad="63500" sx="102000" sy="102000" algn="ctr" rotWithShape="0">
+              <a:prstClr val="black">
+                <a:alpha val="40000"/>
+              </a:prstClr>
+            </a:outerShdw>
+          </a:effectLst>
         </p:spPr>
       </p:pic>
     </p:spTree>
@@ -29469,12 +29620,19 @@
           <a:p>
             <a:r>
               <a:rPr lang="en-GB" dirty="0">
+                <a:solidFill>
+                  <a:schemeClr val="tx2"/>
+                </a:solidFill>
                 <a:latin typeface="Arial"/>
                 <a:cs typeface="Arial"/>
               </a:rPr>
               <a:t>Enumeration</a:t>
             </a:r>
-            <a:endParaRPr lang="en-GB" dirty="0"/>
+            <a:endParaRPr lang="en-GB" dirty="0">
+              <a:solidFill>
+                <a:schemeClr val="tx2"/>
+              </a:solidFill>
+            </a:endParaRPr>
           </a:p>
         </p:txBody>
       </p:sp>
@@ -29508,35 +29666,6 @@
           </a:p>
         </p:txBody>
       </p:sp>
-      <p:pic>
-        <p:nvPicPr>
-          <p:cNvPr id="11" name="Picture 10">
-            <a:extLst>
-              <a:ext uri="{FF2B5EF4-FFF2-40B4-BE49-F238E27FC236}">
-                <a16:creationId xmlns:a16="http://schemas.microsoft.com/office/drawing/2014/main" id="{AE10D547-F5D1-43D9-93EA-E166E3C73F57}"/>
-              </a:ext>
-            </a:extLst>
-          </p:cNvPr>
-          <p:cNvPicPr>
-            <a:picLocks noChangeAspect="1"/>
-          </p:cNvPicPr>
-          <p:nvPr/>
-        </p:nvPicPr>
-        <p:blipFill rotWithShape="1">
-          <a:blip r:embed="rId2"/>
-          <a:srcRect l="2982" t="3174" r="2869" b="2900"/>
-          <a:stretch/>
-        </p:blipFill>
-        <p:spPr>
-          <a:xfrm>
-            <a:off x="8576572" y="4598283"/>
-            <a:ext cx="498106" cy="496941"/>
-          </a:xfrm>
-          <a:prstGeom prst="ellipse">
-            <a:avLst/>
-          </a:prstGeom>
-        </p:spPr>
-      </p:pic>
       <p:sp>
         <p:nvSpPr>
           <p:cNvPr id="6" name="Text Placeholder 2">
@@ -29742,6 +29871,36 @@
           <p:nvPr/>
         </p:nvPicPr>
         <p:blipFill>
+          <a:blip r:embed="rId2"/>
+          <a:stretch>
+            <a:fillRect/>
+          </a:stretch>
+        </p:blipFill>
+        <p:spPr>
+          <a:xfrm>
+            <a:off x="2552763" y="1981500"/>
+            <a:ext cx="4038473" cy="2865253"/>
+          </a:xfrm>
+          <a:prstGeom prst="rect">
+            <a:avLst/>
+          </a:prstGeom>
+        </p:spPr>
+      </p:pic>
+      <p:pic>
+        <p:nvPicPr>
+          <p:cNvPr id="7" name="Picture 6" descr="A picture containing stool&#10;&#10;Description automatically generated">
+            <a:extLst>
+              <a:ext uri="{FF2B5EF4-FFF2-40B4-BE49-F238E27FC236}">
+                <a16:creationId xmlns:a16="http://schemas.microsoft.com/office/drawing/2014/main" id="{9B886F89-6820-4102-B00B-FAAB33C2B760}"/>
+              </a:ext>
+            </a:extLst>
+          </p:cNvPr>
+          <p:cNvPicPr>
+            <a:picLocks noChangeAspect="1"/>
+          </p:cNvPicPr>
+          <p:nvPr/>
+        </p:nvPicPr>
+        <p:blipFill>
           <a:blip r:embed="rId3"/>
           <a:stretch>
             <a:fillRect/>
@@ -29749,12 +29908,19 @@
         </p:blipFill>
         <p:spPr>
           <a:xfrm>
-            <a:off x="2552763" y="1981500"/>
-            <a:ext cx="4038473" cy="2865253"/>
-          </a:xfrm>
-          <a:prstGeom prst="rect">
-            <a:avLst/>
-          </a:prstGeom>
+            <a:off x="8515735" y="4536281"/>
+            <a:ext cx="558943" cy="558943"/>
+          </a:xfrm>
+          <a:prstGeom prst="ellipse">
+            <a:avLst/>
+          </a:prstGeom>
+          <a:effectLst>
+            <a:outerShdw blurRad="63500" sx="102000" sy="102000" algn="ctr" rotWithShape="0">
+              <a:prstClr val="black">
+                <a:alpha val="40000"/>
+              </a:prstClr>
+            </a:outerShdw>
+          </a:effectLst>
         </p:spPr>
       </p:pic>
     </p:spTree>
@@ -29810,12 +29976,19 @@
           <a:p>
             <a:r>
               <a:rPr lang="en-GB" dirty="0">
+                <a:solidFill>
+                  <a:schemeClr val="tx2"/>
+                </a:solidFill>
                 <a:latin typeface="Arial"/>
                 <a:cs typeface="Arial"/>
               </a:rPr>
               <a:t>Enumeration Puzzles</a:t>
             </a:r>
-            <a:endParaRPr lang="en-GB" dirty="0"/>
+            <a:endParaRPr lang="en-GB" dirty="0">
+              <a:solidFill>
+                <a:schemeClr val="tx2"/>
+              </a:solidFill>
+            </a:endParaRPr>
           </a:p>
         </p:txBody>
       </p:sp>
@@ -29849,35 +30022,6 @@
           </a:p>
         </p:txBody>
       </p:sp>
-      <p:pic>
-        <p:nvPicPr>
-          <p:cNvPr id="11" name="Picture 10">
-            <a:extLst>
-              <a:ext uri="{FF2B5EF4-FFF2-40B4-BE49-F238E27FC236}">
-                <a16:creationId xmlns:a16="http://schemas.microsoft.com/office/drawing/2014/main" id="{AE10D547-F5D1-43D9-93EA-E166E3C73F57}"/>
-              </a:ext>
-            </a:extLst>
-          </p:cNvPr>
-          <p:cNvPicPr>
-            <a:picLocks noChangeAspect="1"/>
-          </p:cNvPicPr>
-          <p:nvPr/>
-        </p:nvPicPr>
-        <p:blipFill rotWithShape="1">
-          <a:blip r:embed="rId2"/>
-          <a:srcRect l="2982" t="3174" r="2869" b="2900"/>
-          <a:stretch/>
-        </p:blipFill>
-        <p:spPr>
-          <a:xfrm>
-            <a:off x="8576572" y="4598283"/>
-            <a:ext cx="498106" cy="496941"/>
-          </a:xfrm>
-          <a:prstGeom prst="ellipse">
-            <a:avLst/>
-          </a:prstGeom>
-        </p:spPr>
-      </p:pic>
       <p:sp>
         <p:nvSpPr>
           <p:cNvPr id="6" name="Text Placeholder 2">
@@ -30125,6 +30269,43 @@
           </a:p>
         </p:txBody>
       </p:sp>
+      <p:pic>
+        <p:nvPicPr>
+          <p:cNvPr id="7" name="Picture 6" descr="A picture containing stool&#10;&#10;Description automatically generated">
+            <a:extLst>
+              <a:ext uri="{FF2B5EF4-FFF2-40B4-BE49-F238E27FC236}">
+                <a16:creationId xmlns:a16="http://schemas.microsoft.com/office/drawing/2014/main" id="{6AD25E54-0701-4B1C-B8F3-ECF0CB5E22EB}"/>
+              </a:ext>
+            </a:extLst>
+          </p:cNvPr>
+          <p:cNvPicPr>
+            <a:picLocks noChangeAspect="1"/>
+          </p:cNvPicPr>
+          <p:nvPr/>
+        </p:nvPicPr>
+        <p:blipFill>
+          <a:blip r:embed="rId2"/>
+          <a:stretch>
+            <a:fillRect/>
+          </a:stretch>
+        </p:blipFill>
+        <p:spPr>
+          <a:xfrm>
+            <a:off x="8515735" y="4536281"/>
+            <a:ext cx="558943" cy="558943"/>
+          </a:xfrm>
+          <a:prstGeom prst="ellipse">
+            <a:avLst/>
+          </a:prstGeom>
+          <a:effectLst>
+            <a:outerShdw blurRad="63500" sx="102000" sy="102000" algn="ctr" rotWithShape="0">
+              <a:prstClr val="black">
+                <a:alpha val="40000"/>
+              </a:prstClr>
+            </a:outerShdw>
+          </a:effectLst>
+        </p:spPr>
+      </p:pic>
     </p:spTree>
     <p:extLst>
       <p:ext uri="{BB962C8B-B14F-4D97-AF65-F5344CB8AC3E}">
@@ -30178,12 +30359,19 @@
           <a:p>
             <a:r>
               <a:rPr lang="en-GB" dirty="0">
+                <a:solidFill>
+                  <a:schemeClr val="tx2"/>
+                </a:solidFill>
                 <a:latin typeface="Arial"/>
                 <a:cs typeface="Arial"/>
               </a:rPr>
               <a:t>Enumeration Puzzles Solutions</a:t>
             </a:r>
-            <a:endParaRPr lang="en-GB" dirty="0"/>
+            <a:endParaRPr lang="en-GB" dirty="0">
+              <a:solidFill>
+                <a:schemeClr val="tx2"/>
+              </a:solidFill>
+            </a:endParaRPr>
           </a:p>
         </p:txBody>
       </p:sp>
@@ -30217,35 +30405,6 @@
           </a:p>
         </p:txBody>
       </p:sp>
-      <p:pic>
-        <p:nvPicPr>
-          <p:cNvPr id="11" name="Picture 10">
-            <a:extLst>
-              <a:ext uri="{FF2B5EF4-FFF2-40B4-BE49-F238E27FC236}">
-                <a16:creationId xmlns:a16="http://schemas.microsoft.com/office/drawing/2014/main" id="{AE10D547-F5D1-43D9-93EA-E166E3C73F57}"/>
-              </a:ext>
-            </a:extLst>
-          </p:cNvPr>
-          <p:cNvPicPr>
-            <a:picLocks noChangeAspect="1"/>
-          </p:cNvPicPr>
-          <p:nvPr/>
-        </p:nvPicPr>
-        <p:blipFill rotWithShape="1">
-          <a:blip r:embed="rId2"/>
-          <a:srcRect l="2982" t="3174" r="2869" b="2900"/>
-          <a:stretch/>
-        </p:blipFill>
-        <p:spPr>
-          <a:xfrm>
-            <a:off x="8576572" y="4598283"/>
-            <a:ext cx="498106" cy="496941"/>
-          </a:xfrm>
-          <a:prstGeom prst="ellipse">
-            <a:avLst/>
-          </a:prstGeom>
-        </p:spPr>
-      </p:pic>
       <p:pic>
         <p:nvPicPr>
           <p:cNvPr id="5" name="Picture 4">
@@ -30261,7 +30420,7 @@
           <p:nvPr/>
         </p:nvPicPr>
         <p:blipFill>
-          <a:blip r:embed="rId3"/>
+          <a:blip r:embed="rId2"/>
           <a:stretch>
             <a:fillRect/>
           </a:stretch>
@@ -30291,6 +30450,36 @@
           <p:nvPr/>
         </p:nvPicPr>
         <p:blipFill>
+          <a:blip r:embed="rId3"/>
+          <a:stretch>
+            <a:fillRect/>
+          </a:stretch>
+        </p:blipFill>
+        <p:spPr>
+          <a:xfrm>
+            <a:off x="5012214" y="1609344"/>
+            <a:ext cx="3615411" cy="2275888"/>
+          </a:xfrm>
+          <a:prstGeom prst="rect">
+            <a:avLst/>
+          </a:prstGeom>
+        </p:spPr>
+      </p:pic>
+      <p:pic>
+        <p:nvPicPr>
+          <p:cNvPr id="7" name="Picture 6" descr="A picture containing stool&#10;&#10;Description automatically generated">
+            <a:extLst>
+              <a:ext uri="{FF2B5EF4-FFF2-40B4-BE49-F238E27FC236}">
+                <a16:creationId xmlns:a16="http://schemas.microsoft.com/office/drawing/2014/main" id="{8B8C129B-5508-465A-B12E-F93B428D48B0}"/>
+              </a:ext>
+            </a:extLst>
+          </p:cNvPr>
+          <p:cNvPicPr>
+            <a:picLocks noChangeAspect="1"/>
+          </p:cNvPicPr>
+          <p:nvPr/>
+        </p:nvPicPr>
+        <p:blipFill>
           <a:blip r:embed="rId4"/>
           <a:stretch>
             <a:fillRect/>
@@ -30298,12 +30487,19 @@
         </p:blipFill>
         <p:spPr>
           <a:xfrm>
-            <a:off x="5012214" y="1609344"/>
-            <a:ext cx="3615411" cy="2275888"/>
-          </a:xfrm>
-          <a:prstGeom prst="rect">
-            <a:avLst/>
-          </a:prstGeom>
+            <a:off x="8515735" y="4536281"/>
+            <a:ext cx="558943" cy="558943"/>
+          </a:xfrm>
+          <a:prstGeom prst="ellipse">
+            <a:avLst/>
+          </a:prstGeom>
+          <a:effectLst>
+            <a:outerShdw blurRad="63500" sx="102000" sy="102000" algn="ctr" rotWithShape="0">
+              <a:prstClr val="black">
+                <a:alpha val="40000"/>
+              </a:prstClr>
+            </a:outerShdw>
+          </a:effectLst>
         </p:spPr>
       </p:pic>
     </p:spTree>
@@ -30398,35 +30594,6 @@
           </a:p>
         </p:txBody>
       </p:sp>
-      <p:pic>
-        <p:nvPicPr>
-          <p:cNvPr id="7" name="Picture 6">
-            <a:extLst>
-              <a:ext uri="{FF2B5EF4-FFF2-40B4-BE49-F238E27FC236}">
-                <a16:creationId xmlns:a16="http://schemas.microsoft.com/office/drawing/2014/main" id="{0A9CCCDE-38BA-407D-B893-4D4CD96670C2}"/>
-              </a:ext>
-            </a:extLst>
-          </p:cNvPr>
-          <p:cNvPicPr>
-            <a:picLocks noChangeAspect="1"/>
-          </p:cNvPicPr>
-          <p:nvPr/>
-        </p:nvPicPr>
-        <p:blipFill rotWithShape="1">
-          <a:blip r:embed="rId2"/>
-          <a:srcRect l="2982" t="3174" r="2869" b="2900"/>
-          <a:stretch/>
-        </p:blipFill>
-        <p:spPr>
-          <a:xfrm>
-            <a:off x="8576572" y="4598283"/>
-            <a:ext cx="498106" cy="496941"/>
-          </a:xfrm>
-          <a:prstGeom prst="ellipse">
-            <a:avLst/>
-          </a:prstGeom>
-        </p:spPr>
-      </p:pic>
       <p:sp>
         <p:nvSpPr>
           <p:cNvPr id="11" name="Text Placeholder 2">
@@ -30658,6 +30825,36 @@
           <p:nvPr/>
         </p:nvPicPr>
         <p:blipFill>
+          <a:blip r:embed="rId2"/>
+          <a:stretch>
+            <a:fillRect/>
+          </a:stretch>
+        </p:blipFill>
+        <p:spPr>
+          <a:xfrm>
+            <a:off x="1076325" y="2906544"/>
+            <a:ext cx="6991350" cy="1524000"/>
+          </a:xfrm>
+          <a:prstGeom prst="rect">
+            <a:avLst/>
+          </a:prstGeom>
+        </p:spPr>
+      </p:pic>
+      <p:pic>
+        <p:nvPicPr>
+          <p:cNvPr id="8" name="Picture 7" descr="A picture containing stool&#10;&#10;Description automatically generated">
+            <a:extLst>
+              <a:ext uri="{FF2B5EF4-FFF2-40B4-BE49-F238E27FC236}">
+                <a16:creationId xmlns:a16="http://schemas.microsoft.com/office/drawing/2014/main" id="{3FE55BEB-33B7-4A0C-8D78-03EDA1983FAD}"/>
+              </a:ext>
+            </a:extLst>
+          </p:cNvPr>
+          <p:cNvPicPr>
+            <a:picLocks noChangeAspect="1"/>
+          </p:cNvPicPr>
+          <p:nvPr/>
+        </p:nvPicPr>
+        <p:blipFill>
           <a:blip r:embed="rId3"/>
           <a:stretch>
             <a:fillRect/>
@@ -30665,12 +30862,19 @@
         </p:blipFill>
         <p:spPr>
           <a:xfrm>
-            <a:off x="1076325" y="2906544"/>
-            <a:ext cx="6991350" cy="1524000"/>
-          </a:xfrm>
-          <a:prstGeom prst="rect">
-            <a:avLst/>
-          </a:prstGeom>
+            <a:off x="8515735" y="4536281"/>
+            <a:ext cx="558943" cy="558943"/>
+          </a:xfrm>
+          <a:prstGeom prst="ellipse">
+            <a:avLst/>
+          </a:prstGeom>
+          <a:effectLst>
+            <a:outerShdw blurRad="63500" sx="102000" sy="102000" algn="ctr" rotWithShape="0">
+              <a:prstClr val="black">
+                <a:alpha val="40000"/>
+              </a:prstClr>
+            </a:outerShdw>
+          </a:effectLst>
         </p:spPr>
       </p:pic>
     </p:spTree>
@@ -30767,35 +30971,6 @@
       </p:sp>
       <p:pic>
         <p:nvPicPr>
-          <p:cNvPr id="6" name="Picture 5">
-            <a:extLst>
-              <a:ext uri="{FF2B5EF4-FFF2-40B4-BE49-F238E27FC236}">
-                <a16:creationId xmlns:a16="http://schemas.microsoft.com/office/drawing/2014/main" id="{37949AE5-D60E-4936-B98F-425E2E107293}"/>
-              </a:ext>
-            </a:extLst>
-          </p:cNvPr>
-          <p:cNvPicPr>
-            <a:picLocks noChangeAspect="1"/>
-          </p:cNvPicPr>
-          <p:nvPr/>
-        </p:nvPicPr>
-        <p:blipFill rotWithShape="1">
-          <a:blip r:embed="rId2"/>
-          <a:srcRect l="2982" t="3174" r="2869" b="2900"/>
-          <a:stretch/>
-        </p:blipFill>
-        <p:spPr>
-          <a:xfrm>
-            <a:off x="8576572" y="4598283"/>
-            <a:ext cx="498106" cy="496941"/>
-          </a:xfrm>
-          <a:prstGeom prst="ellipse">
-            <a:avLst/>
-          </a:prstGeom>
-        </p:spPr>
-      </p:pic>
-      <p:pic>
-        <p:nvPicPr>
           <p:cNvPr id="28674" name="Picture 2" descr="Checklist vector icon | Free SVG">
             <a:extLst>
               <a:ext uri="{FF2B5EF4-FFF2-40B4-BE49-F238E27FC236}">
@@ -30809,7 +30984,7 @@
           <p:nvPr/>
         </p:nvPicPr>
         <p:blipFill>
-          <a:blip r:embed="rId3">
+          <a:blip r:embed="rId2">
             <a:extLst>
               <a:ext uri="{28A0092B-C50C-407E-A947-70E740481C1C}">
                 <a14:useLocalDpi xmlns:a14="http://schemas.microsoft.com/office/drawing/2010/main" val="0"/>
@@ -30918,6 +31093,43 @@
           </a:p>
         </p:txBody>
       </p:sp>
+      <p:pic>
+        <p:nvPicPr>
+          <p:cNvPr id="7" name="Picture 6" descr="A picture containing stool&#10;&#10;Description automatically generated">
+            <a:extLst>
+              <a:ext uri="{FF2B5EF4-FFF2-40B4-BE49-F238E27FC236}">
+                <a16:creationId xmlns:a16="http://schemas.microsoft.com/office/drawing/2014/main" id="{F288275F-72E9-4B82-8548-F8C725F95E97}"/>
+              </a:ext>
+            </a:extLst>
+          </p:cNvPr>
+          <p:cNvPicPr>
+            <a:picLocks noChangeAspect="1"/>
+          </p:cNvPicPr>
+          <p:nvPr/>
+        </p:nvPicPr>
+        <p:blipFill>
+          <a:blip r:embed="rId3"/>
+          <a:stretch>
+            <a:fillRect/>
+          </a:stretch>
+        </p:blipFill>
+        <p:spPr>
+          <a:xfrm>
+            <a:off x="8515735" y="4536281"/>
+            <a:ext cx="558943" cy="558943"/>
+          </a:xfrm>
+          <a:prstGeom prst="ellipse">
+            <a:avLst/>
+          </a:prstGeom>
+          <a:effectLst>
+            <a:outerShdw blurRad="63500" sx="102000" sy="102000" algn="ctr" rotWithShape="0">
+              <a:prstClr val="black">
+                <a:alpha val="40000"/>
+              </a:prstClr>
+            </a:outerShdw>
+          </a:effectLst>
+        </p:spPr>
+      </p:pic>
     </p:spTree>
     <p:extLst>
       <p:ext uri="{BB962C8B-B14F-4D97-AF65-F5344CB8AC3E}">
@@ -30970,7 +31182,11 @@
           <a:lstStyle/>
           <a:p>
             <a:r>
-              <a:rPr lang="en-GB" dirty="0"/>
+              <a:rPr lang="en-GB" dirty="0">
+                <a:solidFill>
+                  <a:schemeClr val="tx2"/>
+                </a:solidFill>
+              </a:rPr>
               <a:t>More loops – For loops</a:t>
             </a:r>
           </a:p>
@@ -31006,35 +31222,6 @@
           </a:p>
         </p:txBody>
       </p:sp>
-      <p:pic>
-        <p:nvPicPr>
-          <p:cNvPr id="11" name="Picture 10">
-            <a:extLst>
-              <a:ext uri="{FF2B5EF4-FFF2-40B4-BE49-F238E27FC236}">
-                <a16:creationId xmlns:a16="http://schemas.microsoft.com/office/drawing/2014/main" id="{AE10D547-F5D1-43D9-93EA-E166E3C73F57}"/>
-              </a:ext>
-            </a:extLst>
-          </p:cNvPr>
-          <p:cNvPicPr>
-            <a:picLocks noChangeAspect="1"/>
-          </p:cNvPicPr>
-          <p:nvPr/>
-        </p:nvPicPr>
-        <p:blipFill rotWithShape="1">
-          <a:blip r:embed="rId2"/>
-          <a:srcRect l="2982" t="3174" r="2869" b="2900"/>
-          <a:stretch/>
-        </p:blipFill>
-        <p:spPr>
-          <a:xfrm>
-            <a:off x="8576572" y="4598283"/>
-            <a:ext cx="498106" cy="496941"/>
-          </a:xfrm>
-          <a:prstGeom prst="ellipse">
-            <a:avLst/>
-          </a:prstGeom>
-        </p:spPr>
-      </p:pic>
       <p:sp>
         <p:nvSpPr>
           <p:cNvPr id="6" name="Text Placeholder 2">
@@ -31453,6 +31640,43 @@
           </a:graphicData>
         </a:graphic>
       </p:graphicFrame>
+      <p:pic>
+        <p:nvPicPr>
+          <p:cNvPr id="7" name="Picture 6" descr="A picture containing stool&#10;&#10;Description automatically generated">
+            <a:extLst>
+              <a:ext uri="{FF2B5EF4-FFF2-40B4-BE49-F238E27FC236}">
+                <a16:creationId xmlns:a16="http://schemas.microsoft.com/office/drawing/2014/main" id="{5B1C39A1-22A2-430E-922A-2BF589EF4936}"/>
+              </a:ext>
+            </a:extLst>
+          </p:cNvPr>
+          <p:cNvPicPr>
+            <a:picLocks noChangeAspect="1"/>
+          </p:cNvPicPr>
+          <p:nvPr/>
+        </p:nvPicPr>
+        <p:blipFill>
+          <a:blip r:embed="rId2"/>
+          <a:stretch>
+            <a:fillRect/>
+          </a:stretch>
+        </p:blipFill>
+        <p:spPr>
+          <a:xfrm>
+            <a:off x="8515735" y="4536281"/>
+            <a:ext cx="558943" cy="558943"/>
+          </a:xfrm>
+          <a:prstGeom prst="ellipse">
+            <a:avLst/>
+          </a:prstGeom>
+          <a:effectLst>
+            <a:outerShdw blurRad="63500" sx="102000" sy="102000" algn="ctr" rotWithShape="0">
+              <a:prstClr val="black">
+                <a:alpha val="40000"/>
+              </a:prstClr>
+            </a:outerShdw>
+          </a:effectLst>
+        </p:spPr>
+      </p:pic>
     </p:spTree>
     <p:extLst>
       <p:ext uri="{BB962C8B-B14F-4D97-AF65-F5344CB8AC3E}">
@@ -31506,12 +31730,19 @@
           <a:p>
             <a:r>
               <a:rPr lang="en-GB" dirty="0">
+                <a:solidFill>
+                  <a:schemeClr val="tx2"/>
+                </a:solidFill>
                 <a:latin typeface="Arial"/>
                 <a:cs typeface="Arial"/>
               </a:rPr>
               <a:t>Looping Through a Range</a:t>
             </a:r>
-            <a:endParaRPr lang="en-GB" dirty="0"/>
+            <a:endParaRPr lang="en-GB" dirty="0">
+              <a:solidFill>
+                <a:schemeClr val="tx2"/>
+              </a:solidFill>
+            </a:endParaRPr>
           </a:p>
         </p:txBody>
       </p:sp>
@@ -31545,35 +31776,6 @@
           </a:p>
         </p:txBody>
       </p:sp>
-      <p:pic>
-        <p:nvPicPr>
-          <p:cNvPr id="11" name="Picture 10">
-            <a:extLst>
-              <a:ext uri="{FF2B5EF4-FFF2-40B4-BE49-F238E27FC236}">
-                <a16:creationId xmlns:a16="http://schemas.microsoft.com/office/drawing/2014/main" id="{AE10D547-F5D1-43D9-93EA-E166E3C73F57}"/>
-              </a:ext>
-            </a:extLst>
-          </p:cNvPr>
-          <p:cNvPicPr>
-            <a:picLocks noChangeAspect="1"/>
-          </p:cNvPicPr>
-          <p:nvPr/>
-        </p:nvPicPr>
-        <p:blipFill rotWithShape="1">
-          <a:blip r:embed="rId2"/>
-          <a:srcRect l="2982" t="3174" r="2869" b="2900"/>
-          <a:stretch/>
-        </p:blipFill>
-        <p:spPr>
-          <a:xfrm>
-            <a:off x="8576572" y="4598283"/>
-            <a:ext cx="498106" cy="496941"/>
-          </a:xfrm>
-          <a:prstGeom prst="ellipse">
-            <a:avLst/>
-          </a:prstGeom>
-        </p:spPr>
-      </p:pic>
       <p:sp>
         <p:nvSpPr>
           <p:cNvPr id="6" name="Text Placeholder 2">
@@ -31847,6 +32049,36 @@
           <p:nvPr/>
         </p:nvPicPr>
         <p:blipFill>
+          <a:blip r:embed="rId2"/>
+          <a:stretch>
+            <a:fillRect/>
+          </a:stretch>
+        </p:blipFill>
+        <p:spPr>
+          <a:xfrm>
+            <a:off x="645236" y="1982211"/>
+            <a:ext cx="3718948" cy="2148590"/>
+          </a:xfrm>
+          <a:prstGeom prst="rect">
+            <a:avLst/>
+          </a:prstGeom>
+        </p:spPr>
+      </p:pic>
+      <p:pic>
+        <p:nvPicPr>
+          <p:cNvPr id="8" name="Picture 7" descr="A picture containing stool&#10;&#10;Description automatically generated">
+            <a:extLst>
+              <a:ext uri="{FF2B5EF4-FFF2-40B4-BE49-F238E27FC236}">
+                <a16:creationId xmlns:a16="http://schemas.microsoft.com/office/drawing/2014/main" id="{5EB04031-A5E0-4793-B24E-F8A85D981CD2}"/>
+              </a:ext>
+            </a:extLst>
+          </p:cNvPr>
+          <p:cNvPicPr>
+            <a:picLocks noChangeAspect="1"/>
+          </p:cNvPicPr>
+          <p:nvPr/>
+        </p:nvPicPr>
+        <p:blipFill>
           <a:blip r:embed="rId3"/>
           <a:stretch>
             <a:fillRect/>
@@ -31854,12 +32086,19 @@
         </p:blipFill>
         <p:spPr>
           <a:xfrm>
-            <a:off x="645236" y="1982211"/>
-            <a:ext cx="3718948" cy="2148590"/>
-          </a:xfrm>
-          <a:prstGeom prst="rect">
-            <a:avLst/>
-          </a:prstGeom>
+            <a:off x="8515735" y="4536281"/>
+            <a:ext cx="558943" cy="558943"/>
+          </a:xfrm>
+          <a:prstGeom prst="ellipse">
+            <a:avLst/>
+          </a:prstGeom>
+          <a:effectLst>
+            <a:outerShdw blurRad="63500" sx="102000" sy="102000" algn="ctr" rotWithShape="0">
+              <a:prstClr val="black">
+                <a:alpha val="40000"/>
+              </a:prstClr>
+            </a:outerShdw>
+          </a:effectLst>
         </p:spPr>
       </p:pic>
     </p:spTree>
@@ -31915,12 +32154,19 @@
           <a:p>
             <a:r>
               <a:rPr lang="en-GB" dirty="0">
+                <a:solidFill>
+                  <a:schemeClr val="tx2"/>
+                </a:solidFill>
                 <a:latin typeface="Arial"/>
                 <a:cs typeface="Arial"/>
               </a:rPr>
               <a:t>Tangent: For vs While Loops</a:t>
             </a:r>
-            <a:endParaRPr lang="en-GB" dirty="0"/>
+            <a:endParaRPr lang="en-GB" dirty="0">
+              <a:solidFill>
+                <a:schemeClr val="tx2"/>
+              </a:solidFill>
+            </a:endParaRPr>
           </a:p>
         </p:txBody>
       </p:sp>
@@ -31954,35 +32200,6 @@
           </a:p>
         </p:txBody>
       </p:sp>
-      <p:pic>
-        <p:nvPicPr>
-          <p:cNvPr id="11" name="Picture 10">
-            <a:extLst>
-              <a:ext uri="{FF2B5EF4-FFF2-40B4-BE49-F238E27FC236}">
-                <a16:creationId xmlns:a16="http://schemas.microsoft.com/office/drawing/2014/main" id="{AE10D547-F5D1-43D9-93EA-E166E3C73F57}"/>
-              </a:ext>
-            </a:extLst>
-          </p:cNvPr>
-          <p:cNvPicPr>
-            <a:picLocks noChangeAspect="1"/>
-          </p:cNvPicPr>
-          <p:nvPr/>
-        </p:nvPicPr>
-        <p:blipFill rotWithShape="1">
-          <a:blip r:embed="rId2"/>
-          <a:srcRect l="2982" t="3174" r="2869" b="2900"/>
-          <a:stretch/>
-        </p:blipFill>
-        <p:spPr>
-          <a:xfrm>
-            <a:off x="8576572" y="4598283"/>
-            <a:ext cx="498106" cy="496941"/>
-          </a:xfrm>
-          <a:prstGeom prst="ellipse">
-            <a:avLst/>
-          </a:prstGeom>
-        </p:spPr>
-      </p:pic>
       <p:sp>
         <p:nvSpPr>
           <p:cNvPr id="6" name="Text Placeholder 2">
@@ -32297,7 +32514,7 @@
           <p:nvPr/>
         </p:nvPicPr>
         <p:blipFill>
-          <a:blip r:embed="rId3"/>
+          <a:blip r:embed="rId2"/>
           <a:stretch>
             <a:fillRect/>
           </a:stretch>
@@ -32327,6 +32544,36 @@
           <p:nvPr/>
         </p:nvPicPr>
         <p:blipFill>
+          <a:blip r:embed="rId3"/>
+          <a:stretch>
+            <a:fillRect/>
+          </a:stretch>
+        </p:blipFill>
+        <p:spPr>
+          <a:xfrm>
+            <a:off x="6010847" y="1372610"/>
+            <a:ext cx="1713876" cy="2148591"/>
+          </a:xfrm>
+          <a:prstGeom prst="rect">
+            <a:avLst/>
+          </a:prstGeom>
+        </p:spPr>
+      </p:pic>
+      <p:pic>
+        <p:nvPicPr>
+          <p:cNvPr id="8" name="Picture 7" descr="A picture containing stool&#10;&#10;Description automatically generated">
+            <a:extLst>
+              <a:ext uri="{FF2B5EF4-FFF2-40B4-BE49-F238E27FC236}">
+                <a16:creationId xmlns:a16="http://schemas.microsoft.com/office/drawing/2014/main" id="{FF709B7E-E86E-4798-83AC-3770FEF4D8D7}"/>
+              </a:ext>
+            </a:extLst>
+          </p:cNvPr>
+          <p:cNvPicPr>
+            <a:picLocks noChangeAspect="1"/>
+          </p:cNvPicPr>
+          <p:nvPr/>
+        </p:nvPicPr>
+        <p:blipFill>
           <a:blip r:embed="rId4"/>
           <a:stretch>
             <a:fillRect/>
@@ -32334,12 +32581,19 @@
         </p:blipFill>
         <p:spPr>
           <a:xfrm>
-            <a:off x="6010847" y="1372610"/>
-            <a:ext cx="1713876" cy="2148591"/>
-          </a:xfrm>
-          <a:prstGeom prst="rect">
-            <a:avLst/>
-          </a:prstGeom>
+            <a:off x="8515735" y="4536281"/>
+            <a:ext cx="558943" cy="558943"/>
+          </a:xfrm>
+          <a:prstGeom prst="ellipse">
+            <a:avLst/>
+          </a:prstGeom>
+          <a:effectLst>
+            <a:outerShdw blurRad="63500" sx="102000" sy="102000" algn="ctr" rotWithShape="0">
+              <a:prstClr val="black">
+                <a:alpha val="40000"/>
+              </a:prstClr>
+            </a:outerShdw>
+          </a:effectLst>
         </p:spPr>
       </p:pic>
     </p:spTree>
@@ -32395,12 +32649,19 @@
           <a:p>
             <a:r>
               <a:rPr lang="en-GB" dirty="0">
+                <a:solidFill>
+                  <a:schemeClr val="tx2"/>
+                </a:solidFill>
                 <a:latin typeface="Arial"/>
                 <a:cs typeface="Arial"/>
               </a:rPr>
               <a:t>Looping Through a Range</a:t>
             </a:r>
-            <a:endParaRPr lang="en-GB" dirty="0"/>
+            <a:endParaRPr lang="en-GB" dirty="0">
+              <a:solidFill>
+                <a:schemeClr val="tx2"/>
+              </a:solidFill>
+            </a:endParaRPr>
           </a:p>
         </p:txBody>
       </p:sp>
@@ -32434,35 +32695,6 @@
           </a:p>
         </p:txBody>
       </p:sp>
-      <p:pic>
-        <p:nvPicPr>
-          <p:cNvPr id="11" name="Picture 10">
-            <a:extLst>
-              <a:ext uri="{FF2B5EF4-FFF2-40B4-BE49-F238E27FC236}">
-                <a16:creationId xmlns:a16="http://schemas.microsoft.com/office/drawing/2014/main" id="{AE10D547-F5D1-43D9-93EA-E166E3C73F57}"/>
-              </a:ext>
-            </a:extLst>
-          </p:cNvPr>
-          <p:cNvPicPr>
-            <a:picLocks noChangeAspect="1"/>
-          </p:cNvPicPr>
-          <p:nvPr/>
-        </p:nvPicPr>
-        <p:blipFill rotWithShape="1">
-          <a:blip r:embed="rId2"/>
-          <a:srcRect l="2982" t="3174" r="2869" b="2900"/>
-          <a:stretch/>
-        </p:blipFill>
-        <p:spPr>
-          <a:xfrm>
-            <a:off x="8576572" y="4598283"/>
-            <a:ext cx="498106" cy="496941"/>
-          </a:xfrm>
-          <a:prstGeom prst="ellipse">
-            <a:avLst/>
-          </a:prstGeom>
-        </p:spPr>
-      </p:pic>
       <p:sp>
         <p:nvSpPr>
           <p:cNvPr id="6" name="Text Placeholder 2">
@@ -32712,6 +32944,36 @@
           <p:nvPr/>
         </p:nvPicPr>
         <p:blipFill>
+          <a:blip r:embed="rId2"/>
+          <a:stretch>
+            <a:fillRect/>
+          </a:stretch>
+        </p:blipFill>
+        <p:spPr>
+          <a:xfrm>
+            <a:off x="3273242" y="2352473"/>
+            <a:ext cx="2693289" cy="2078071"/>
+          </a:xfrm>
+          <a:prstGeom prst="rect">
+            <a:avLst/>
+          </a:prstGeom>
+        </p:spPr>
+      </p:pic>
+      <p:pic>
+        <p:nvPicPr>
+          <p:cNvPr id="7" name="Picture 6" descr="A picture containing stool&#10;&#10;Description automatically generated">
+            <a:extLst>
+              <a:ext uri="{FF2B5EF4-FFF2-40B4-BE49-F238E27FC236}">
+                <a16:creationId xmlns:a16="http://schemas.microsoft.com/office/drawing/2014/main" id="{98D7E83C-E011-4340-8AD0-33EB3D18B44A}"/>
+              </a:ext>
+            </a:extLst>
+          </p:cNvPr>
+          <p:cNvPicPr>
+            <a:picLocks noChangeAspect="1"/>
+          </p:cNvPicPr>
+          <p:nvPr/>
+        </p:nvPicPr>
+        <p:blipFill>
           <a:blip r:embed="rId3"/>
           <a:stretch>
             <a:fillRect/>
@@ -32719,12 +32981,19 @@
         </p:blipFill>
         <p:spPr>
           <a:xfrm>
-            <a:off x="3273242" y="2352473"/>
-            <a:ext cx="2693289" cy="2078071"/>
-          </a:xfrm>
-          <a:prstGeom prst="rect">
-            <a:avLst/>
-          </a:prstGeom>
+            <a:off x="8515735" y="4536281"/>
+            <a:ext cx="558943" cy="558943"/>
+          </a:xfrm>
+          <a:prstGeom prst="ellipse">
+            <a:avLst/>
+          </a:prstGeom>
+          <a:effectLst>
+            <a:outerShdw blurRad="63500" sx="102000" sy="102000" algn="ctr" rotWithShape="0">
+              <a:prstClr val="black">
+                <a:alpha val="40000"/>
+              </a:prstClr>
+            </a:outerShdw>
+          </a:effectLst>
         </p:spPr>
       </p:pic>
     </p:spTree>
@@ -32780,12 +33049,19 @@
           <a:p>
             <a:r>
               <a:rPr lang="en-GB" dirty="0">
+                <a:solidFill>
+                  <a:schemeClr val="tx2"/>
+                </a:solidFill>
                 <a:latin typeface="Arial"/>
                 <a:cs typeface="Arial"/>
               </a:rPr>
               <a:t>Looping Through a Range Puzzles</a:t>
             </a:r>
-            <a:endParaRPr lang="en-GB" dirty="0"/>
+            <a:endParaRPr lang="en-GB" dirty="0">
+              <a:solidFill>
+                <a:schemeClr val="tx2"/>
+              </a:solidFill>
+            </a:endParaRPr>
           </a:p>
         </p:txBody>
       </p:sp>
@@ -32819,35 +33095,6 @@
           </a:p>
         </p:txBody>
       </p:sp>
-      <p:pic>
-        <p:nvPicPr>
-          <p:cNvPr id="11" name="Picture 10">
-            <a:extLst>
-              <a:ext uri="{FF2B5EF4-FFF2-40B4-BE49-F238E27FC236}">
-                <a16:creationId xmlns:a16="http://schemas.microsoft.com/office/drawing/2014/main" id="{AE10D547-F5D1-43D9-93EA-E166E3C73F57}"/>
-              </a:ext>
-            </a:extLst>
-          </p:cNvPr>
-          <p:cNvPicPr>
-            <a:picLocks noChangeAspect="1"/>
-          </p:cNvPicPr>
-          <p:nvPr/>
-        </p:nvPicPr>
-        <p:blipFill rotWithShape="1">
-          <a:blip r:embed="rId2"/>
-          <a:srcRect l="2982" t="3174" r="2869" b="2900"/>
-          <a:stretch/>
-        </p:blipFill>
-        <p:spPr>
-          <a:xfrm>
-            <a:off x="8576572" y="4598283"/>
-            <a:ext cx="498106" cy="496941"/>
-          </a:xfrm>
-          <a:prstGeom prst="ellipse">
-            <a:avLst/>
-          </a:prstGeom>
-        </p:spPr>
-      </p:pic>
       <p:sp>
         <p:nvSpPr>
           <p:cNvPr id="6" name="Text Placeholder 2">
@@ -33105,6 +33352,43 @@
           </a:p>
         </p:txBody>
       </p:sp>
+      <p:pic>
+        <p:nvPicPr>
+          <p:cNvPr id="7" name="Picture 6" descr="A picture containing stool&#10;&#10;Description automatically generated">
+            <a:extLst>
+              <a:ext uri="{FF2B5EF4-FFF2-40B4-BE49-F238E27FC236}">
+                <a16:creationId xmlns:a16="http://schemas.microsoft.com/office/drawing/2014/main" id="{862A74EB-BAA1-46AC-9FB3-21F7EADFA1CB}"/>
+              </a:ext>
+            </a:extLst>
+          </p:cNvPr>
+          <p:cNvPicPr>
+            <a:picLocks noChangeAspect="1"/>
+          </p:cNvPicPr>
+          <p:nvPr/>
+        </p:nvPicPr>
+        <p:blipFill>
+          <a:blip r:embed="rId2"/>
+          <a:stretch>
+            <a:fillRect/>
+          </a:stretch>
+        </p:blipFill>
+        <p:spPr>
+          <a:xfrm>
+            <a:off x="8515735" y="4536281"/>
+            <a:ext cx="558943" cy="558943"/>
+          </a:xfrm>
+          <a:prstGeom prst="ellipse">
+            <a:avLst/>
+          </a:prstGeom>
+          <a:effectLst>
+            <a:outerShdw blurRad="63500" sx="102000" sy="102000" algn="ctr" rotWithShape="0">
+              <a:prstClr val="black">
+                <a:alpha val="40000"/>
+              </a:prstClr>
+            </a:outerShdw>
+          </a:effectLst>
+        </p:spPr>
+      </p:pic>
     </p:spTree>
     <p:extLst>
       <p:ext uri="{BB962C8B-B14F-4D97-AF65-F5344CB8AC3E}">
@@ -33158,12 +33442,19 @@
           <a:p>
             <a:r>
               <a:rPr lang="en-GB" dirty="0">
+                <a:solidFill>
+                  <a:schemeClr val="tx2"/>
+                </a:solidFill>
                 <a:latin typeface="Arial"/>
                 <a:cs typeface="Arial"/>
               </a:rPr>
               <a:t>Looping Through a Range Puzzles Solutions</a:t>
             </a:r>
-            <a:endParaRPr lang="en-GB" dirty="0"/>
+            <a:endParaRPr lang="en-GB" dirty="0">
+              <a:solidFill>
+                <a:schemeClr val="tx2"/>
+              </a:solidFill>
+            </a:endParaRPr>
           </a:p>
         </p:txBody>
       </p:sp>
@@ -33197,35 +33488,6 @@
           </a:p>
         </p:txBody>
       </p:sp>
-      <p:pic>
-        <p:nvPicPr>
-          <p:cNvPr id="11" name="Picture 10">
-            <a:extLst>
-              <a:ext uri="{FF2B5EF4-FFF2-40B4-BE49-F238E27FC236}">
-                <a16:creationId xmlns:a16="http://schemas.microsoft.com/office/drawing/2014/main" id="{AE10D547-F5D1-43D9-93EA-E166E3C73F57}"/>
-              </a:ext>
-            </a:extLst>
-          </p:cNvPr>
-          <p:cNvPicPr>
-            <a:picLocks noChangeAspect="1"/>
-          </p:cNvPicPr>
-          <p:nvPr/>
-        </p:nvPicPr>
-        <p:blipFill rotWithShape="1">
-          <a:blip r:embed="rId2"/>
-          <a:srcRect l="2982" t="3174" r="2869" b="2900"/>
-          <a:stretch/>
-        </p:blipFill>
-        <p:spPr>
-          <a:xfrm>
-            <a:off x="8576572" y="4598283"/>
-            <a:ext cx="498106" cy="496941"/>
-          </a:xfrm>
-          <a:prstGeom prst="ellipse">
-            <a:avLst/>
-          </a:prstGeom>
-        </p:spPr>
-      </p:pic>
       <p:pic>
         <p:nvPicPr>
           <p:cNvPr id="4" name="Picture 3">
@@ -33241,7 +33503,7 @@
           <p:nvPr/>
         </p:nvPicPr>
         <p:blipFill>
-          <a:blip r:embed="rId3"/>
+          <a:blip r:embed="rId2"/>
           <a:stretch>
             <a:fillRect/>
           </a:stretch>
@@ -33271,6 +33533,36 @@
           <p:nvPr/>
         </p:nvPicPr>
         <p:blipFill>
+          <a:blip r:embed="rId3"/>
+          <a:stretch>
+            <a:fillRect/>
+          </a:stretch>
+        </p:blipFill>
+        <p:spPr>
+          <a:xfrm>
+            <a:off x="4572000" y="1143979"/>
+            <a:ext cx="3694339" cy="3400044"/>
+          </a:xfrm>
+          <a:prstGeom prst="rect">
+            <a:avLst/>
+          </a:prstGeom>
+        </p:spPr>
+      </p:pic>
+      <p:pic>
+        <p:nvPicPr>
+          <p:cNvPr id="8" name="Picture 7" descr="A picture containing stool&#10;&#10;Description automatically generated">
+            <a:extLst>
+              <a:ext uri="{FF2B5EF4-FFF2-40B4-BE49-F238E27FC236}">
+                <a16:creationId xmlns:a16="http://schemas.microsoft.com/office/drawing/2014/main" id="{711CCB84-3F39-4B2A-AD11-8574CA0E5DD2}"/>
+              </a:ext>
+            </a:extLst>
+          </p:cNvPr>
+          <p:cNvPicPr>
+            <a:picLocks noChangeAspect="1"/>
+          </p:cNvPicPr>
+          <p:nvPr/>
+        </p:nvPicPr>
+        <p:blipFill>
           <a:blip r:embed="rId4"/>
           <a:stretch>
             <a:fillRect/>
@@ -33278,12 +33570,19 @@
         </p:blipFill>
         <p:spPr>
           <a:xfrm>
-            <a:off x="4572000" y="1143979"/>
-            <a:ext cx="3694339" cy="3400044"/>
-          </a:xfrm>
-          <a:prstGeom prst="rect">
-            <a:avLst/>
-          </a:prstGeom>
+            <a:off x="8515735" y="4536281"/>
+            <a:ext cx="558943" cy="558943"/>
+          </a:xfrm>
+          <a:prstGeom prst="ellipse">
+            <a:avLst/>
+          </a:prstGeom>
+          <a:effectLst>
+            <a:outerShdw blurRad="63500" sx="102000" sy="102000" algn="ctr" rotWithShape="0">
+              <a:prstClr val="black">
+                <a:alpha val="40000"/>
+              </a:prstClr>
+            </a:outerShdw>
+          </a:effectLst>
         </p:spPr>
       </p:pic>
     </p:spTree>
@@ -33308,42 +33607,42 @@
 <file path=ppt/theme/theme1.xml><?xml version="1.0" encoding="utf-8"?>
 <a:theme xmlns:a="http://schemas.openxmlformats.org/drawingml/2006/main" name="AZ Cover Slide Options">
   <a:themeElements>
-    <a:clrScheme name="Custom 239">
+    <a:clrScheme name="Blue">
       <a:dk1>
-        <a:srgbClr val="000000"/>
+        <a:sysClr val="windowText" lastClr="000000"/>
       </a:dk1>
       <a:lt1>
-        <a:srgbClr val="FFFFFF"/>
+        <a:sysClr val="window" lastClr="FFFFFF"/>
       </a:lt1>
       <a:dk2>
-        <a:srgbClr val="830051"/>
+        <a:srgbClr val="17406D"/>
       </a:dk2>
       <a:lt2>
-        <a:srgbClr val="F0AB00"/>
+        <a:srgbClr val="DBEFF9"/>
       </a:lt2>
       <a:accent1>
-        <a:srgbClr val="830051"/>
+        <a:srgbClr val="0F6FC6"/>
       </a:accent1>
       <a:accent2>
-        <a:srgbClr val="003865"/>
+        <a:srgbClr val="009DD9"/>
       </a:accent2>
       <a:accent3>
-        <a:srgbClr val="68D2DF"/>
+        <a:srgbClr val="0BD0D9"/>
       </a:accent3>
       <a:accent4>
-        <a:srgbClr val="3C1053"/>
+        <a:srgbClr val="10CF9B"/>
       </a:accent4>
       <a:accent5>
-        <a:srgbClr val="C4D600"/>
+        <a:srgbClr val="7CCA62"/>
       </a:accent5>
       <a:accent6>
-        <a:srgbClr val="3F4444"/>
+        <a:srgbClr val="A5C249"/>
       </a:accent6>
       <a:hlink>
-        <a:srgbClr val="003865"/>
+        <a:srgbClr val="F49100"/>
       </a:hlink>
       <a:folHlink>
-        <a:srgbClr val="9DB0AC"/>
+        <a:srgbClr val="85DFD0"/>
       </a:folHlink>
     </a:clrScheme>
     <a:fontScheme name="Office Classic 2">
@@ -35294,11 +35593,6 @@
 </file>
 
 <file path=customXml/item1.xml><?xml version="1.0" encoding="utf-8"?>
-<?mso-contentType ?>
-<SharedContentType xmlns="Microsoft.SharePoint.Taxonomy.ContentTypeSync" SourceId="1ee89e71-04cd-405e-9ca3-99e020c1694d" ContentTypeId="0x0101" PreviousValue="false"/>
-</file>
-
-<file path=customXml/item2.xml><?xml version="1.0" encoding="utf-8"?>
 <p:properties xmlns:p="http://schemas.microsoft.com/office/2006/metadata/properties" xmlns:xsi="http://www.w3.org/2001/XMLSchema-instance" xmlns:pc="http://schemas.microsoft.com/office/infopath/2007/PartnerControls">
   <documentManagement>
     <Keyword xmlns="44a56295-c29e-4898-8136-a54736c65b82" xsi:nil="true"/>
@@ -35307,7 +35601,7 @@
 </p:properties>
 </file>
 
-<file path=customXml/item3.xml><?xml version="1.0" encoding="utf-8"?>
+<file path=customXml/item2.xml><?xml version="1.0" encoding="utf-8"?>
 <?mso-contentType ?>
 <FormTemplates xmlns="http://schemas.microsoft.com/sharepoint/v3/contenttype/forms">
   <Display>DocumentLibraryForm</Display>
@@ -35316,7 +35610,7 @@
 </FormTemplates>
 </file>
 
-<file path=customXml/item4.xml><?xml version="1.0" encoding="utf-8"?>
+<file path=customXml/item3.xml><?xml version="1.0" encoding="utf-8"?>
 <ct:contentTypeSchema xmlns:ct="http://schemas.microsoft.com/office/2006/metadata/contentType" xmlns:ma="http://schemas.microsoft.com/office/2006/metadata/properties/metaAttributes" ct:_="" ma:_="" ma:contentTypeName="Document" ma:contentTypeID="0x010100C9F3DD611966374C9EAA8DC5A2F94CD8" ma:contentTypeVersion="8" ma:contentTypeDescription="Create a new document." ma:contentTypeScope="" ma:versionID="18a8759320524e51783f13c6663a10d1">
   <xsd:schema xmlns:xsd="http://www.w3.org/2001/XMLSchema" xmlns:xs="http://www.w3.org/2001/XMLSchema" xmlns:p="http://schemas.microsoft.com/office/2006/metadata/properties" xmlns:ns2="44a56295-c29e-4898-8136-a54736c65b82" xmlns:ns3="9675ef8f-b755-4cd6-a742-8cae3d86c4fe" targetNamespace="http://schemas.microsoft.com/office/2006/metadata/properties" ma:root="true" ma:fieldsID="1b693415669a5bc10d56a9234ce5202b" ns2:_="" ns3:_="">
     <xsd:import namespace="44a56295-c29e-4898-8136-a54736c65b82"/>
@@ -35495,15 +35789,12 @@
 </ct:contentTypeSchema>
 </file>
 
-<file path=customXml/itemProps1.xml><?xml version="1.0" encoding="utf-8"?>
-<ds:datastoreItem xmlns:ds="http://schemas.openxmlformats.org/officeDocument/2006/customXml" ds:itemID="{91989A13-6EBC-4BFF-A25C-E4D3CAAA08AF}">
-  <ds:schemaRefs>
-    <ds:schemaRef ds:uri="Microsoft.SharePoint.Taxonomy.ContentTypeSync"/>
-  </ds:schemaRefs>
-</ds:datastoreItem>
+<file path=customXml/item4.xml><?xml version="1.0" encoding="utf-8"?>
+<?mso-contentType ?>
+<SharedContentType xmlns="Microsoft.SharePoint.Taxonomy.ContentTypeSync" SourceId="1ee89e71-04cd-405e-9ca3-99e020c1694d" ContentTypeId="0x0101" PreviousValue="false"/>
 </file>
 
-<file path=customXml/itemProps2.xml><?xml version="1.0" encoding="utf-8"?>
+<file path=customXml/itemProps1.xml><?xml version="1.0" encoding="utf-8"?>
 <ds:datastoreItem xmlns:ds="http://schemas.openxmlformats.org/officeDocument/2006/customXml" ds:itemID="{9F6F5FD0-A94F-4E0E-8953-A634089166A9}">
   <ds:schemaRefs>
     <ds:schemaRef ds:uri="44a56295-c29e-4898-8136-a54736c65b82"/>
@@ -35520,7 +35811,7 @@
 </ds:datastoreItem>
 </file>
 
-<file path=customXml/itemProps3.xml><?xml version="1.0" encoding="utf-8"?>
+<file path=customXml/itemProps2.xml><?xml version="1.0" encoding="utf-8"?>
 <ds:datastoreItem xmlns:ds="http://schemas.openxmlformats.org/officeDocument/2006/customXml" ds:itemID="{BEBDFA33-3959-412D-BF65-F572B77FF4EC}">
   <ds:schemaRefs>
     <ds:schemaRef ds:uri="http://schemas.microsoft.com/sharepoint/v3/contenttype/forms"/>
@@ -35528,7 +35819,7 @@
 </ds:datastoreItem>
 </file>
 
-<file path=customXml/itemProps4.xml><?xml version="1.0" encoding="utf-8"?>
+<file path=customXml/itemProps3.xml><?xml version="1.0" encoding="utf-8"?>
 <ds:datastoreItem xmlns:ds="http://schemas.openxmlformats.org/officeDocument/2006/customXml" ds:itemID="{68ED3CC4-90A9-4466-8611-49F71BEF9534}">
   <ds:schemaRefs>
     <ds:schemaRef ds:uri="44a56295-c29e-4898-8136-a54736c65b82"/>
@@ -35545,4 +35836,12 @@
     <ds:schemaRef ds:uri="http://www.w3.org/2001/XMLSchema"/>
   </ds:schemaRefs>
 </ds:datastoreItem>
+</file>
+
+<file path=customXml/itemProps4.xml><?xml version="1.0" encoding="utf-8"?>
+<ds:datastoreItem xmlns:ds="http://schemas.openxmlformats.org/officeDocument/2006/customXml" ds:itemID="{91989A13-6EBC-4BFF-A25C-E4D3CAAA08AF}">
+  <ds:schemaRefs>
+    <ds:schemaRef ds:uri="Microsoft.SharePoint.Taxonomy.ContentTypeSync"/>
+  </ds:schemaRefs>
+</ds:datastoreItem>
 </file>
--- a/session_five/session_five_presentation.pptx
+++ b/session_five/session_five_presentation.pptx
@@ -27245,6 +27245,37 @@
               </a14:hiddenFill>
             </a:ext>
           </a:extLst>
+        </p:spPr>
+      </p:pic>
+      <p:pic>
+        <p:nvPicPr>
+          <p:cNvPr id="11" name="Picture 10" descr="A picture containing drawing, light, plate&#10;&#10;Description automatically generated">
+            <a:hlinkClick r:id="rId7"/>
+            <a:extLst>
+              <a:ext uri="{FF2B5EF4-FFF2-40B4-BE49-F238E27FC236}">
+                <a16:creationId xmlns:a16="http://schemas.microsoft.com/office/drawing/2014/main" id="{84A9765E-4A31-4022-AF87-0A48F46A929E}"/>
+              </a:ext>
+            </a:extLst>
+          </p:cNvPr>
+          <p:cNvPicPr>
+            <a:picLocks noChangeAspect="1"/>
+          </p:cNvPicPr>
+          <p:nvPr/>
+        </p:nvPicPr>
+        <p:blipFill>
+          <a:blip r:embed="rId8"/>
+          <a:stretch>
+            <a:fillRect/>
+          </a:stretch>
+        </p:blipFill>
+        <p:spPr>
+          <a:xfrm>
+            <a:off x="6498567" y="942188"/>
+            <a:ext cx="2419199" cy="504000"/>
+          </a:xfrm>
+          <a:prstGeom prst="rect">
+            <a:avLst/>
+          </a:prstGeom>
         </p:spPr>
       </p:pic>
     </p:spTree>
@@ -35603,11 +35634,7 @@
 
 <file path=customXml/item2.xml><?xml version="1.0" encoding="utf-8"?>
 <?mso-contentType ?>
-<FormTemplates xmlns="http://schemas.microsoft.com/sharepoint/v3/contenttype/forms">
-  <Display>DocumentLibraryForm</Display>
-  <Edit>DocumentLibraryForm</Edit>
-  <New>DocumentLibraryForm</New>
-</FormTemplates>
+<SharedContentType xmlns="Microsoft.SharePoint.Taxonomy.ContentTypeSync" SourceId="1ee89e71-04cd-405e-9ca3-99e020c1694d" ContentTypeId="0x0101" PreviousValue="false"/>
 </file>
 
 <file path=customXml/item3.xml><?xml version="1.0" encoding="utf-8"?>
@@ -35791,7 +35818,11 @@
 
 <file path=customXml/item4.xml><?xml version="1.0" encoding="utf-8"?>
 <?mso-contentType ?>
-<SharedContentType xmlns="Microsoft.SharePoint.Taxonomy.ContentTypeSync" SourceId="1ee89e71-04cd-405e-9ca3-99e020c1694d" ContentTypeId="0x0101" PreviousValue="false"/>
+<FormTemplates xmlns="http://schemas.microsoft.com/sharepoint/v3/contenttype/forms">
+  <Display>DocumentLibraryForm</Display>
+  <Edit>DocumentLibraryForm</Edit>
+  <New>DocumentLibraryForm</New>
+</FormTemplates>
 </file>
 
 <file path=customXml/itemProps1.xml><?xml version="1.0" encoding="utf-8"?>
@@ -35812,9 +35843,9 @@
 </file>
 
 <file path=customXml/itemProps2.xml><?xml version="1.0" encoding="utf-8"?>
-<ds:datastoreItem xmlns:ds="http://schemas.openxmlformats.org/officeDocument/2006/customXml" ds:itemID="{BEBDFA33-3959-412D-BF65-F572B77FF4EC}">
+<ds:datastoreItem xmlns:ds="http://schemas.openxmlformats.org/officeDocument/2006/customXml" ds:itemID="{91989A13-6EBC-4BFF-A25C-E4D3CAAA08AF}">
   <ds:schemaRefs>
-    <ds:schemaRef ds:uri="http://schemas.microsoft.com/sharepoint/v3/contenttype/forms"/>
+    <ds:schemaRef ds:uri="Microsoft.SharePoint.Taxonomy.ContentTypeSync"/>
   </ds:schemaRefs>
 </ds:datastoreItem>
 </file>
@@ -35839,9 +35870,9 @@
 </file>
 
 <file path=customXml/itemProps4.xml><?xml version="1.0" encoding="utf-8"?>
-<ds:datastoreItem xmlns:ds="http://schemas.openxmlformats.org/officeDocument/2006/customXml" ds:itemID="{91989A13-6EBC-4BFF-A25C-E4D3CAAA08AF}">
+<ds:datastoreItem xmlns:ds="http://schemas.openxmlformats.org/officeDocument/2006/customXml" ds:itemID="{BEBDFA33-3959-412D-BF65-F572B77FF4EC}">
   <ds:schemaRefs>
-    <ds:schemaRef ds:uri="Microsoft.SharePoint.Taxonomy.ContentTypeSync"/>
+    <ds:schemaRef ds:uri="http://schemas.microsoft.com/sharepoint/v3/contenttype/forms"/>
   </ds:schemaRefs>
 </ds:datastoreItem>
 </file>